--- a/presentation/AutoConnect.pptx
+++ b/presentation/AutoConnect.pptx
@@ -5,18 +5,19 @@
     <p:sldMasterId id="2147483707" r:id="rId1"/>
   </p:sldMasterIdLst>
   <p:notesMasterIdLst>
-    <p:notesMasterId r:id="rId11"/>
+    <p:notesMasterId r:id="rId12"/>
   </p:notesMasterIdLst>
   <p:sldIdLst>
     <p:sldId id="256" r:id="rId2"/>
     <p:sldId id="257" r:id="rId3"/>
-    <p:sldId id="267" r:id="rId4"/>
-    <p:sldId id="268" r:id="rId5"/>
-    <p:sldId id="269" r:id="rId6"/>
-    <p:sldId id="270" r:id="rId7"/>
-    <p:sldId id="271" r:id="rId8"/>
-    <p:sldId id="272" r:id="rId9"/>
-    <p:sldId id="273" r:id="rId10"/>
+    <p:sldId id="274" r:id="rId4"/>
+    <p:sldId id="267" r:id="rId5"/>
+    <p:sldId id="268" r:id="rId6"/>
+    <p:sldId id="269" r:id="rId7"/>
+    <p:sldId id="270" r:id="rId8"/>
+    <p:sldId id="271" r:id="rId9"/>
+    <p:sldId id="272" r:id="rId10"/>
+    <p:sldId id="273" r:id="rId11"/>
   </p:sldIdLst>
   <p:sldSz cx="12192000" cy="6858000"/>
   <p:notesSz cx="6858000" cy="9144000"/>
@@ -205,7 +206,7 @@
           <a:p>
             <a:fld id="{DF2E9389-33CD-46B5-B965-4831E8193557}" type="datetimeFigureOut">
               <a:rPr lang="he-IL" smtClean="0"/>
-              <a:t>א'/שבט/תשפ"ב</a:t>
+              <a:t>ט'/שבט/תשפ"ב</a:t>
             </a:fld>
             <a:endParaRPr lang="he-IL"/>
           </a:p>
@@ -632,7 +633,7 @@
           <a:p>
             <a:fld id="{2F6C7F02-80E9-4E3E-ABA4-8D82D1DADB19}" type="slidenum">
               <a:rPr lang="he-IL" smtClean="0"/>
-              <a:t>5</a:t>
+              <a:t>6</a:t>
             </a:fld>
             <a:endParaRPr lang="he-IL"/>
           </a:p>
@@ -842,7 +843,7 @@
           <a:p>
             <a:fld id="{AD5ED07A-734A-433E-9D84-D275B4D7B0FB}" type="datetimeFigureOut">
               <a:rPr lang="en-IL" smtClean="0"/>
-              <a:t>01/03/2022</a:t>
+              <a:t>01/11/2022</a:t>
             </a:fld>
             <a:endParaRPr lang="en-IL"/>
           </a:p>
@@ -1278,7 +1279,7 @@
           <a:p>
             <a:fld id="{AD5ED07A-734A-433E-9D84-D275B4D7B0FB}" type="datetimeFigureOut">
               <a:rPr lang="en-IL" smtClean="0"/>
-              <a:t>01/03/2022</a:t>
+              <a:t>01/11/2022</a:t>
             </a:fld>
             <a:endParaRPr lang="en-IL"/>
           </a:p>
@@ -1528,7 +1529,7 @@
           <a:p>
             <a:fld id="{AD5ED07A-734A-433E-9D84-D275B4D7B0FB}" type="datetimeFigureOut">
               <a:rPr lang="en-IL" smtClean="0"/>
-              <a:t>01/03/2022</a:t>
+              <a:t>01/11/2022</a:t>
             </a:fld>
             <a:endParaRPr lang="en-IL"/>
           </a:p>
@@ -1836,7 +1837,7 @@
           <a:p>
             <a:fld id="{AD5ED07A-734A-433E-9D84-D275B4D7B0FB}" type="datetimeFigureOut">
               <a:rPr lang="en-IL" smtClean="0"/>
-              <a:t>01/03/2022</a:t>
+              <a:t>01/11/2022</a:t>
             </a:fld>
             <a:endParaRPr lang="en-IL"/>
           </a:p>
@@ -2154,7 +2155,7 @@
           <a:p>
             <a:fld id="{AD5ED07A-734A-433E-9D84-D275B4D7B0FB}" type="datetimeFigureOut">
               <a:rPr lang="en-IL" smtClean="0"/>
-              <a:t>01/03/2022</a:t>
+              <a:t>01/11/2022</a:t>
             </a:fld>
             <a:endParaRPr lang="en-IL"/>
           </a:p>
@@ -2456,7 +2457,7 @@
           <a:p>
             <a:fld id="{AD5ED07A-734A-433E-9D84-D275B4D7B0FB}" type="datetimeFigureOut">
               <a:rPr lang="en-IL" smtClean="0"/>
-              <a:t>01/03/2022</a:t>
+              <a:t>01/11/2022</a:t>
             </a:fld>
             <a:endParaRPr lang="en-IL"/>
           </a:p>
@@ -2823,7 +2824,7 @@
           <a:p>
             <a:fld id="{AD5ED07A-734A-433E-9D84-D275B4D7B0FB}" type="datetimeFigureOut">
               <a:rPr lang="en-IL" smtClean="0"/>
-              <a:t>01/03/2022</a:t>
+              <a:t>01/11/2022</a:t>
             </a:fld>
             <a:endParaRPr lang="en-IL"/>
           </a:p>
@@ -2997,7 +2998,7 @@
           <a:p>
             <a:fld id="{AD5ED07A-734A-433E-9D84-D275B4D7B0FB}" type="datetimeFigureOut">
               <a:rPr lang="en-IL" smtClean="0"/>
-              <a:t>01/03/2022</a:t>
+              <a:t>01/11/2022</a:t>
             </a:fld>
             <a:endParaRPr lang="en-IL"/>
           </a:p>
@@ -3177,7 +3178,7 @@
           <a:p>
             <a:fld id="{AD5ED07A-734A-433E-9D84-D275B4D7B0FB}" type="datetimeFigureOut">
               <a:rPr lang="en-IL" smtClean="0"/>
-              <a:t>01/03/2022</a:t>
+              <a:t>01/11/2022</a:t>
             </a:fld>
             <a:endParaRPr lang="en-IL"/>
           </a:p>
@@ -3347,7 +3348,7 @@
           <a:p>
             <a:fld id="{AD5ED07A-734A-433E-9D84-D275B4D7B0FB}" type="datetimeFigureOut">
               <a:rPr lang="en-IL" smtClean="0"/>
-              <a:t>01/03/2022</a:t>
+              <a:t>01/11/2022</a:t>
             </a:fld>
             <a:endParaRPr lang="en-IL"/>
           </a:p>
@@ -3597,7 +3598,7 @@
           <a:p>
             <a:fld id="{AD5ED07A-734A-433E-9D84-D275B4D7B0FB}" type="datetimeFigureOut">
               <a:rPr lang="en-IL" smtClean="0"/>
-              <a:t>01/03/2022</a:t>
+              <a:t>01/11/2022</a:t>
             </a:fld>
             <a:endParaRPr lang="en-IL"/>
           </a:p>
@@ -3833,7 +3834,7 @@
           <a:p>
             <a:fld id="{AD5ED07A-734A-433E-9D84-D275B4D7B0FB}" type="datetimeFigureOut">
               <a:rPr lang="en-IL" smtClean="0"/>
-              <a:t>01/03/2022</a:t>
+              <a:t>01/11/2022</a:t>
             </a:fld>
             <a:endParaRPr lang="en-IL"/>
           </a:p>
@@ -4215,7 +4216,7 @@
           <a:p>
             <a:fld id="{AD5ED07A-734A-433E-9D84-D275B4D7B0FB}" type="datetimeFigureOut">
               <a:rPr lang="en-IL" smtClean="0"/>
-              <a:t>01/03/2022</a:t>
+              <a:t>01/11/2022</a:t>
             </a:fld>
             <a:endParaRPr lang="en-IL"/>
           </a:p>
@@ -4333,7 +4334,7 @@
           <a:p>
             <a:fld id="{AD5ED07A-734A-433E-9D84-D275B4D7B0FB}" type="datetimeFigureOut">
               <a:rPr lang="en-IL" smtClean="0"/>
-              <a:t>01/03/2022</a:t>
+              <a:t>01/11/2022</a:t>
             </a:fld>
             <a:endParaRPr lang="en-IL"/>
           </a:p>
@@ -4428,7 +4429,7 @@
           <a:p>
             <a:fld id="{AD5ED07A-734A-433E-9D84-D275B4D7B0FB}" type="datetimeFigureOut">
               <a:rPr lang="en-IL" smtClean="0"/>
-              <a:t>01/03/2022</a:t>
+              <a:t>01/11/2022</a:t>
             </a:fld>
             <a:endParaRPr lang="en-IL"/>
           </a:p>
@@ -4683,7 +4684,7 @@
           <a:p>
             <a:fld id="{AD5ED07A-734A-433E-9D84-D275B4D7B0FB}" type="datetimeFigureOut">
               <a:rPr lang="en-IL" smtClean="0"/>
-              <a:t>01/03/2022</a:t>
+              <a:t>01/11/2022</a:t>
             </a:fld>
             <a:endParaRPr lang="en-IL"/>
           </a:p>
@@ -4966,7 +4967,7 @@
           <a:p>
             <a:fld id="{AD5ED07A-734A-433E-9D84-D275B4D7B0FB}" type="datetimeFigureOut">
               <a:rPr lang="en-IL" smtClean="0"/>
-              <a:t>01/03/2022</a:t>
+              <a:t>01/11/2022</a:t>
             </a:fld>
             <a:endParaRPr lang="en-IL"/>
           </a:p>
@@ -5372,7 +5373,7 @@
           <a:p>
             <a:fld id="{AD5ED07A-734A-433E-9D84-D275B4D7B0FB}" type="datetimeFigureOut">
               <a:rPr lang="en-IL" smtClean="0"/>
-              <a:t>01/03/2022</a:t>
+              <a:t>01/11/2022</a:t>
             </a:fld>
             <a:endParaRPr lang="en-IL"/>
           </a:p>
@@ -6427,6 +6428,680 @@
 </p:sld>
 </file>
 
+<file path=ppt/slides/slide10.xml><?xml version="1.0" encoding="utf-8"?>
+<p:sld xmlns:a="http://schemas.openxmlformats.org/drawingml/2006/main" xmlns:r="http://schemas.openxmlformats.org/officeDocument/2006/relationships" xmlns:p="http://schemas.openxmlformats.org/presentationml/2006/main">
+  <p:cSld>
+    <p:bg>
+      <p:bgPr>
+        <a:gradFill rotWithShape="1">
+          <a:gsLst>
+            <a:gs pos="10000">
+              <a:schemeClr val="bg1">
+                <a:tint val="97000"/>
+                <a:hueMod val="92000"/>
+                <a:satMod val="169000"/>
+                <a:lumMod val="164000"/>
+              </a:schemeClr>
+            </a:gs>
+            <a:gs pos="100000">
+              <a:schemeClr val="bg1">
+                <a:shade val="96000"/>
+                <a:satMod val="120000"/>
+                <a:lumMod val="90000"/>
+              </a:schemeClr>
+            </a:gs>
+          </a:gsLst>
+          <a:lin ang="6120000" scaled="1"/>
+        </a:gradFill>
+        <a:effectLst/>
+      </p:bgPr>
+    </p:bg>
+    <p:spTree>
+      <p:nvGrpSpPr>
+        <p:cNvPr id="1" name=""/>
+        <p:cNvGrpSpPr/>
+        <p:nvPr/>
+      </p:nvGrpSpPr>
+      <p:grpSpPr>
+        <a:xfrm>
+          <a:off x="0" y="0"/>
+          <a:ext cx="0" cy="0"/>
+          <a:chOff x="0" y="0"/>
+          <a:chExt cx="0" cy="0"/>
+        </a:xfrm>
+      </p:grpSpPr>
+      <p:grpSp>
+        <p:nvGrpSpPr>
+          <p:cNvPr id="26" name="Group 25">
+            <a:extLst>
+              <a:ext uri="{FF2B5EF4-FFF2-40B4-BE49-F238E27FC236}">
+                <a16:creationId xmlns:a16="http://schemas.microsoft.com/office/drawing/2014/main" id="{6CC7770B-E4E1-42D6-9437-DAA4A3A9E659}"/>
+              </a:ext>
+              <a:ext uri="{C183D7F6-B498-43B3-948B-1728B52AA6E4}">
+                <adec:decorative xmlns:adec="http://schemas.microsoft.com/office/drawing/2017/decorative" val="1"/>
+              </a:ext>
+            </a:extLst>
+          </p:cNvPr>
+          <p:cNvGrpSpPr>
+            <a:grpSpLocks noGrp="1" noUngrp="1" noRot="1" noChangeAspect="1" noMove="1" noResize="1"/>
+          </p:cNvGrpSpPr>
+          <p:nvPr>
+            <p:extLst>
+              <p:ext uri="{386F3935-93C4-4BCD-93E2-E3B085C9AB24}">
+                <p16:designElem xmlns:p16="http://schemas.microsoft.com/office/powerpoint/2015/main" val="1"/>
+              </p:ext>
+            </p:extLst>
+          </p:nvPr>
+        </p:nvGrpSpPr>
+        <p:grpSpPr>
+          <a:xfrm>
+            <a:off x="9206969" y="2963333"/>
+            <a:ext cx="2981858" cy="3208867"/>
+            <a:chOff x="9206969" y="2963333"/>
+            <a:chExt cx="2981858" cy="3208867"/>
+          </a:xfrm>
+        </p:grpSpPr>
+        <p:cxnSp>
+          <p:nvCxnSpPr>
+            <p:cNvPr id="27" name="Straight Connector 26">
+              <a:extLst>
+                <a:ext uri="{FF2B5EF4-FFF2-40B4-BE49-F238E27FC236}">
+                  <a16:creationId xmlns:a16="http://schemas.microsoft.com/office/drawing/2014/main" id="{5A26DE5B-A1A6-4746-8EF7-4D6809ED75EE}"/>
+                </a:ext>
+                <a:ext uri="{C183D7F6-B498-43B3-948B-1728B52AA6E4}">
+                  <adec:decorative xmlns:adec="http://schemas.microsoft.com/office/drawing/2017/decorative" val="1"/>
+                </a:ext>
+              </a:extLst>
+            </p:cNvPr>
+            <p:cNvCxnSpPr/>
+            <p:nvPr>
+              <p:extLst>
+                <p:ext uri="{386F3935-93C4-4BCD-93E2-E3B085C9AB24}">
+                  <p16:designElem xmlns:p16="http://schemas.microsoft.com/office/powerpoint/2015/main" val="1"/>
+                </p:ext>
+              </p:extLst>
+            </p:nvPr>
+          </p:nvCxnSpPr>
+          <p:spPr>
+            <a:xfrm flipH="1">
+              <a:off x="11276012" y="2963333"/>
+              <a:ext cx="912814" cy="912812"/>
+            </a:xfrm>
+            <a:prstGeom prst="line">
+              <a:avLst/>
+            </a:prstGeom>
+            <a:ln w="9525">
+              <a:solidFill>
+                <a:schemeClr val="tx1"/>
+              </a:solidFill>
+            </a:ln>
+          </p:spPr>
+          <p:style>
+            <a:lnRef idx="2">
+              <a:schemeClr val="accent1"/>
+            </a:lnRef>
+            <a:fillRef idx="0">
+              <a:schemeClr val="accent1"/>
+            </a:fillRef>
+            <a:effectRef idx="1">
+              <a:schemeClr val="accent1"/>
+            </a:effectRef>
+            <a:fontRef idx="minor">
+              <a:schemeClr val="tx1"/>
+            </a:fontRef>
+          </p:style>
+        </p:cxnSp>
+        <p:cxnSp>
+          <p:nvCxnSpPr>
+            <p:cNvPr id="28" name="Straight Connector 27">
+              <a:extLst>
+                <a:ext uri="{FF2B5EF4-FFF2-40B4-BE49-F238E27FC236}">
+                  <a16:creationId xmlns:a16="http://schemas.microsoft.com/office/drawing/2014/main" id="{377A3DDA-BF17-4302-867E-EBFD777B0627}"/>
+                </a:ext>
+                <a:ext uri="{C183D7F6-B498-43B3-948B-1728B52AA6E4}">
+                  <adec:decorative xmlns:adec="http://schemas.microsoft.com/office/drawing/2017/decorative" val="1"/>
+                </a:ext>
+              </a:extLst>
+            </p:cNvPr>
+            <p:cNvCxnSpPr/>
+            <p:nvPr>
+              <p:extLst>
+                <p:ext uri="{386F3935-93C4-4BCD-93E2-E3B085C9AB24}">
+                  <p16:designElem xmlns:p16="http://schemas.microsoft.com/office/powerpoint/2015/main" val="1"/>
+                </p:ext>
+              </p:extLst>
+            </p:nvPr>
+          </p:nvCxnSpPr>
+          <p:spPr>
+            <a:xfrm flipH="1">
+              <a:off x="9206969" y="3190344"/>
+              <a:ext cx="2981857" cy="2981856"/>
+            </a:xfrm>
+            <a:prstGeom prst="line">
+              <a:avLst/>
+            </a:prstGeom>
+            <a:ln w="9525">
+              <a:solidFill>
+                <a:schemeClr val="tx1"/>
+              </a:solidFill>
+            </a:ln>
+          </p:spPr>
+          <p:style>
+            <a:lnRef idx="2">
+              <a:schemeClr val="accent1"/>
+            </a:lnRef>
+            <a:fillRef idx="0">
+              <a:schemeClr val="accent1"/>
+            </a:fillRef>
+            <a:effectRef idx="1">
+              <a:schemeClr val="accent1"/>
+            </a:effectRef>
+            <a:fontRef idx="minor">
+              <a:schemeClr val="tx1"/>
+            </a:fontRef>
+          </p:style>
+        </p:cxnSp>
+        <p:cxnSp>
+          <p:nvCxnSpPr>
+            <p:cNvPr id="29" name="Straight Connector 28">
+              <a:extLst>
+                <a:ext uri="{FF2B5EF4-FFF2-40B4-BE49-F238E27FC236}">
+                  <a16:creationId xmlns:a16="http://schemas.microsoft.com/office/drawing/2014/main" id="{CBE30704-4227-4B7B-BDB8-BFCF39086FA4}"/>
+                </a:ext>
+                <a:ext uri="{C183D7F6-B498-43B3-948B-1728B52AA6E4}">
+                  <adec:decorative xmlns:adec="http://schemas.microsoft.com/office/drawing/2017/decorative" val="1"/>
+                </a:ext>
+              </a:extLst>
+            </p:cNvPr>
+            <p:cNvCxnSpPr/>
+            <p:nvPr>
+              <p:extLst>
+                <p:ext uri="{386F3935-93C4-4BCD-93E2-E3B085C9AB24}">
+                  <p16:designElem xmlns:p16="http://schemas.microsoft.com/office/powerpoint/2015/main" val="1"/>
+                </p:ext>
+              </p:extLst>
+            </p:nvPr>
+          </p:nvCxnSpPr>
+          <p:spPr>
+            <a:xfrm flipH="1">
+              <a:off x="10292292" y="3285067"/>
+              <a:ext cx="1896534" cy="1896533"/>
+            </a:xfrm>
+            <a:prstGeom prst="line">
+              <a:avLst/>
+            </a:prstGeom>
+            <a:ln w="9525">
+              <a:solidFill>
+                <a:schemeClr val="tx1"/>
+              </a:solidFill>
+            </a:ln>
+          </p:spPr>
+          <p:style>
+            <a:lnRef idx="2">
+              <a:schemeClr val="accent1"/>
+            </a:lnRef>
+            <a:fillRef idx="0">
+              <a:schemeClr val="accent1"/>
+            </a:fillRef>
+            <a:effectRef idx="1">
+              <a:schemeClr val="accent1"/>
+            </a:effectRef>
+            <a:fontRef idx="minor">
+              <a:schemeClr val="tx1"/>
+            </a:fontRef>
+          </p:style>
+        </p:cxnSp>
+        <p:cxnSp>
+          <p:nvCxnSpPr>
+            <p:cNvPr id="30" name="Straight Connector 29">
+              <a:extLst>
+                <a:ext uri="{FF2B5EF4-FFF2-40B4-BE49-F238E27FC236}">
+                  <a16:creationId xmlns:a16="http://schemas.microsoft.com/office/drawing/2014/main" id="{B923B1E7-AEA4-42D8-8F4A-9D116F29665C}"/>
+                </a:ext>
+                <a:ext uri="{C183D7F6-B498-43B3-948B-1728B52AA6E4}">
+                  <adec:decorative xmlns:adec="http://schemas.microsoft.com/office/drawing/2017/decorative" val="1"/>
+                </a:ext>
+              </a:extLst>
+            </p:cNvPr>
+            <p:cNvCxnSpPr/>
+            <p:nvPr>
+              <p:extLst>
+                <p:ext uri="{386F3935-93C4-4BCD-93E2-E3B085C9AB24}">
+                  <p16:designElem xmlns:p16="http://schemas.microsoft.com/office/powerpoint/2015/main" val="1"/>
+                </p:ext>
+              </p:extLst>
+            </p:nvPr>
+          </p:nvCxnSpPr>
+          <p:spPr>
+            <a:xfrm flipH="1">
+              <a:off x="10443103" y="3131080"/>
+              <a:ext cx="1745722" cy="1745720"/>
+            </a:xfrm>
+            <a:prstGeom prst="line">
+              <a:avLst/>
+            </a:prstGeom>
+            <a:ln w="28575">
+              <a:solidFill>
+                <a:schemeClr val="tx1"/>
+              </a:solidFill>
+            </a:ln>
+          </p:spPr>
+          <p:style>
+            <a:lnRef idx="2">
+              <a:schemeClr val="accent1"/>
+            </a:lnRef>
+            <a:fillRef idx="0">
+              <a:schemeClr val="accent1"/>
+            </a:fillRef>
+            <a:effectRef idx="1">
+              <a:schemeClr val="accent1"/>
+            </a:effectRef>
+            <a:fontRef idx="minor">
+              <a:schemeClr val="tx1"/>
+            </a:fontRef>
+          </p:style>
+        </p:cxnSp>
+        <p:cxnSp>
+          <p:nvCxnSpPr>
+            <p:cNvPr id="31" name="Straight Connector 30">
+              <a:extLst>
+                <a:ext uri="{FF2B5EF4-FFF2-40B4-BE49-F238E27FC236}">
+                  <a16:creationId xmlns:a16="http://schemas.microsoft.com/office/drawing/2014/main" id="{321B6244-6EAE-442C-ACCF-8146103EC1D5}"/>
+                </a:ext>
+                <a:ext uri="{C183D7F6-B498-43B3-948B-1728B52AA6E4}">
+                  <adec:decorative xmlns:adec="http://schemas.microsoft.com/office/drawing/2017/decorative" val="1"/>
+                </a:ext>
+              </a:extLst>
+            </p:cNvPr>
+            <p:cNvCxnSpPr/>
+            <p:nvPr>
+              <p:extLst>
+                <p:ext uri="{386F3935-93C4-4BCD-93E2-E3B085C9AB24}">
+                  <p16:designElem xmlns:p16="http://schemas.microsoft.com/office/powerpoint/2015/main" val="1"/>
+                </p:ext>
+              </p:extLst>
+            </p:nvPr>
+          </p:nvCxnSpPr>
+          <p:spPr>
+            <a:xfrm flipH="1">
+              <a:off x="10918826" y="3683001"/>
+              <a:ext cx="1270001" cy="1269999"/>
+            </a:xfrm>
+            <a:prstGeom prst="line">
+              <a:avLst/>
+            </a:prstGeom>
+            <a:ln w="28575">
+              <a:solidFill>
+                <a:schemeClr val="tx1"/>
+              </a:solidFill>
+            </a:ln>
+          </p:spPr>
+          <p:style>
+            <a:lnRef idx="2">
+              <a:schemeClr val="accent1"/>
+            </a:lnRef>
+            <a:fillRef idx="0">
+              <a:schemeClr val="accent1"/>
+            </a:fillRef>
+            <a:effectRef idx="1">
+              <a:schemeClr val="accent1"/>
+            </a:effectRef>
+            <a:fontRef idx="minor">
+              <a:schemeClr val="tx1"/>
+            </a:fontRef>
+          </p:style>
+        </p:cxnSp>
+      </p:grpSp>
+      <p:sp>
+        <p:nvSpPr>
+          <p:cNvPr id="33" name="Snip Diagonal Corner Rectangle 6">
+            <a:extLst>
+              <a:ext uri="{FF2B5EF4-FFF2-40B4-BE49-F238E27FC236}">
+                <a16:creationId xmlns:a16="http://schemas.microsoft.com/office/drawing/2014/main" id="{AD2D45C7-2E37-44FD-AC77-116CD14B9ED9}"/>
+              </a:ext>
+              <a:ext uri="{C183D7F6-B498-43B3-948B-1728B52AA6E4}">
+                <adec:decorative xmlns:adec="http://schemas.microsoft.com/office/drawing/2017/decorative" val="1"/>
+              </a:ext>
+            </a:extLst>
+          </p:cNvPr>
+          <p:cNvSpPr>
+            <a:spLocks noGrp="1" noRot="1" noChangeAspect="1" noMove="1" noResize="1" noEditPoints="1" noAdjustHandles="1" noChangeArrowheads="1" noChangeShapeType="1" noTextEdit="1"/>
+          </p:cNvSpPr>
+          <p:nvPr>
+            <p:extLst>
+              <p:ext uri="{386F3935-93C4-4BCD-93E2-E3B085C9AB24}">
+                <p16:designElem xmlns:p16="http://schemas.microsoft.com/office/powerpoint/2015/main" val="1"/>
+              </p:ext>
+            </p:extLst>
+          </p:nvPr>
+        </p:nvSpPr>
+        <p:spPr>
+          <a:xfrm flipH="1">
+            <a:off x="925" y="2"/>
+            <a:ext cx="12191075" cy="6857998"/>
+          </a:xfrm>
+          <a:prstGeom prst="rect">
+            <a:avLst/>
+          </a:prstGeom>
+          <a:ln>
+            <a:noFill/>
+          </a:ln>
+        </p:spPr>
+        <p:style>
+          <a:lnRef idx="2">
+            <a:schemeClr val="accent2"/>
+          </a:lnRef>
+          <a:fillRef idx="1002">
+            <a:schemeClr val="dk2"/>
+          </a:fillRef>
+          <a:effectRef idx="0">
+            <a:schemeClr val="accent2"/>
+          </a:effectRef>
+          <a:fontRef idx="minor">
+            <a:schemeClr val="dk1"/>
+          </a:fontRef>
+        </p:style>
+        <p:txBody>
+          <a:bodyPr wrap="square" rtlCol="0" anchor="ctr">
+            <a:noAutofit/>
+          </a:bodyPr>
+          <a:lstStyle/>
+          <a:p>
+            <a:pPr algn="ctr"/>
+            <a:endParaRPr lang="en-US"/>
+          </a:p>
+        </p:txBody>
+      </p:sp>
+      <p:sp useBgFill="1">
+        <p:nvSpPr>
+          <p:cNvPr id="35" name="Snip Single Corner Rectangle 17">
+            <a:extLst>
+              <a:ext uri="{FF2B5EF4-FFF2-40B4-BE49-F238E27FC236}">
+                <a16:creationId xmlns:a16="http://schemas.microsoft.com/office/drawing/2014/main" id="{1FF88480-2CF1-4C54-8CE3-2CA9CD9FF896}"/>
+              </a:ext>
+              <a:ext uri="{C183D7F6-B498-43B3-948B-1728B52AA6E4}">
+                <adec:decorative xmlns:adec="http://schemas.microsoft.com/office/drawing/2017/decorative" val="1"/>
+              </a:ext>
+            </a:extLst>
+          </p:cNvPr>
+          <p:cNvSpPr>
+            <a:spLocks noGrp="1" noRot="1" noChangeAspect="1" noMove="1" noResize="1" noEditPoints="1" noAdjustHandles="1" noChangeArrowheads="1" noChangeShapeType="1" noTextEdit="1"/>
+          </p:cNvSpPr>
+          <p:nvPr>
+            <p:extLst>
+              <p:ext uri="{386F3935-93C4-4BCD-93E2-E3B085C9AB24}">
+                <p16:designElem xmlns:p16="http://schemas.microsoft.com/office/powerpoint/2015/main" val="1"/>
+              </p:ext>
+            </p:extLst>
+          </p:nvPr>
+        </p:nvSpPr>
+        <p:spPr>
+          <a:xfrm flipV="1">
+            <a:off x="0" y="1"/>
+            <a:ext cx="12188825" cy="6857999"/>
+          </a:xfrm>
+          <a:prstGeom prst="snip1Rect">
+            <a:avLst>
+              <a:gd name="adj" fmla="val 50000"/>
+            </a:avLst>
+          </a:prstGeom>
+          <a:ln>
+            <a:noFill/>
+          </a:ln>
+          <a:effectLst/>
+        </p:spPr>
+        <p:style>
+          <a:lnRef idx="2">
+            <a:schemeClr val="accent1">
+              <a:shade val="50000"/>
+            </a:schemeClr>
+          </a:lnRef>
+          <a:fillRef idx="1003">
+            <a:schemeClr val="dk2"/>
+          </a:fillRef>
+          <a:effectRef idx="0">
+            <a:schemeClr val="accent1"/>
+          </a:effectRef>
+          <a:fontRef idx="minor">
+            <a:schemeClr val="lt1"/>
+          </a:fontRef>
+        </p:style>
+        <p:txBody>
+          <a:bodyPr wrap="square" rtlCol="0" anchor="ctr">
+            <a:noAutofit/>
+          </a:bodyPr>
+          <a:lstStyle/>
+          <a:p>
+            <a:pPr algn="ctr"/>
+            <a:endParaRPr lang="en-US"/>
+          </a:p>
+        </p:txBody>
+      </p:sp>
+      <p:sp>
+        <p:nvSpPr>
+          <p:cNvPr id="6" name="TextBox 5">
+            <a:extLst>
+              <a:ext uri="{FF2B5EF4-FFF2-40B4-BE49-F238E27FC236}">
+                <a16:creationId xmlns:a16="http://schemas.microsoft.com/office/drawing/2014/main" id="{01B5766C-C242-4E8B-8662-041109CBB9EE}"/>
+              </a:ext>
+            </a:extLst>
+          </p:cNvPr>
+          <p:cNvSpPr txBox="1"/>
+          <p:nvPr/>
+        </p:nvSpPr>
+        <p:spPr>
+          <a:xfrm>
+            <a:off x="3175" y="0"/>
+            <a:ext cx="8534400" cy="1507067"/>
+          </a:xfrm>
+          <a:prstGeom prst="rect">
+            <a:avLst/>
+          </a:prstGeom>
+        </p:spPr>
+        <p:txBody>
+          <a:bodyPr vert="horz" lIns="91440" tIns="45720" rIns="91440" bIns="45720" rtlCol="0" anchor="ctr">
+            <a:normAutofit/>
+          </a:bodyPr>
+          <a:lstStyle/>
+          <a:p>
+            <a:pPr>
+              <a:spcBef>
+                <a:spcPct val="0"/>
+              </a:spcBef>
+              <a:spcAft>
+                <a:spcPts val="600"/>
+              </a:spcAft>
+            </a:pPr>
+            <a:r>
+              <a:rPr lang="en-US" sz="4000" b="1" cap="all" dirty="0">
+                <a:ln w="3175" cmpd="sng">
+                  <a:noFill/>
+                </a:ln>
+                <a:solidFill>
+                  <a:schemeClr val="tx2"/>
+                </a:solidFill>
+                <a:latin typeface="+mj-lt"/>
+                <a:ea typeface="+mj-ea"/>
+                <a:cs typeface="+mj-cs"/>
+              </a:rPr>
+              <a:t>Results</a:t>
+            </a:r>
+          </a:p>
+        </p:txBody>
+      </p:sp>
+      <p:sp>
+        <p:nvSpPr>
+          <p:cNvPr id="11" name="TextBox 6">
+            <a:extLst>
+              <a:ext uri="{FF2B5EF4-FFF2-40B4-BE49-F238E27FC236}">
+                <a16:creationId xmlns:a16="http://schemas.microsoft.com/office/drawing/2014/main" id="{150D360E-13BB-4340-A18F-9B75B8C3D6F6}"/>
+              </a:ext>
+            </a:extLst>
+          </p:cNvPr>
+          <p:cNvSpPr txBox="1"/>
+          <p:nvPr/>
+        </p:nvSpPr>
+        <p:spPr>
+          <a:xfrm>
+            <a:off x="384175" y="1923505"/>
+            <a:ext cx="3397250" cy="714619"/>
+          </a:xfrm>
+          <a:prstGeom prst="rect">
+            <a:avLst/>
+          </a:prstGeom>
+          <a:noFill/>
+        </p:spPr>
+        <p:txBody>
+          <a:bodyPr wrap="square" rtlCol="0">
+            <a:spAutoFit/>
+          </a:bodyPr>
+          <a:lstStyle/>
+          <a:p>
+            <a:pPr>
+              <a:lnSpc>
+                <a:spcPct val="200000"/>
+              </a:lnSpc>
+            </a:pPr>
+            <a:r>
+              <a:rPr lang="en-US" sz="2400" dirty="0"/>
+              <a:t>Original mesh</a:t>
+            </a:r>
+          </a:p>
+        </p:txBody>
+      </p:sp>
+      <p:sp>
+        <p:nvSpPr>
+          <p:cNvPr id="12" name="TextBox 3">
+            <a:extLst>
+              <a:ext uri="{FF2B5EF4-FFF2-40B4-BE49-F238E27FC236}">
+                <a16:creationId xmlns:a16="http://schemas.microsoft.com/office/drawing/2014/main" id="{67F7EEB1-F9DD-41CD-B4AC-6258A2CD90F9}"/>
+              </a:ext>
+            </a:extLst>
+          </p:cNvPr>
+          <p:cNvSpPr txBox="1"/>
+          <p:nvPr/>
+        </p:nvSpPr>
+        <p:spPr>
+          <a:xfrm>
+            <a:off x="5940839" y="1923504"/>
+            <a:ext cx="2097949" cy="714619"/>
+          </a:xfrm>
+          <a:prstGeom prst="rect">
+            <a:avLst/>
+          </a:prstGeom>
+          <a:noFill/>
+        </p:spPr>
+        <p:txBody>
+          <a:bodyPr wrap="square" rtlCol="0">
+            <a:spAutoFit/>
+          </a:bodyPr>
+          <a:lstStyle/>
+          <a:p>
+            <a:pPr>
+              <a:lnSpc>
+                <a:spcPct val="200000"/>
+              </a:lnSpc>
+            </a:pPr>
+            <a:r>
+              <a:rPr lang="en-US" sz="2400" dirty="0"/>
+              <a:t>Holder mesh</a:t>
+            </a:r>
+          </a:p>
+        </p:txBody>
+      </p:sp>
+      <p:pic>
+        <p:nvPicPr>
+          <p:cNvPr id="13" name="Picture 2">
+            <a:extLst>
+              <a:ext uri="{FF2B5EF4-FFF2-40B4-BE49-F238E27FC236}">
+                <a16:creationId xmlns:a16="http://schemas.microsoft.com/office/drawing/2014/main" id="{84310A7A-D0A9-46B5-942D-79602AE2E0C4}"/>
+              </a:ext>
+            </a:extLst>
+          </p:cNvPr>
+          <p:cNvPicPr>
+            <a:picLocks noChangeAspect="1"/>
+          </p:cNvPicPr>
+          <p:nvPr/>
+        </p:nvPicPr>
+        <p:blipFill>
+          <a:blip r:embed="rId2">
+            <a:clrChange>
+              <a:clrFrom>
+                <a:srgbClr val="FFFFFF"/>
+              </a:clrFrom>
+              <a:clrTo>
+                <a:srgbClr val="FFFFFF">
+                  <a:alpha val="0"/>
+                </a:srgbClr>
+              </a:clrTo>
+            </a:clrChange>
+            <a:extLst>
+              <a:ext uri="{28A0092B-C50C-407E-A947-70E740481C1C}">
+                <a14:useLocalDpi xmlns:a14="http://schemas.microsoft.com/office/drawing/2010/main" val="0"/>
+              </a:ext>
+            </a:extLst>
+          </a:blip>
+          <a:srcRect/>
+          <a:stretch/>
+        </p:blipFill>
+        <p:spPr>
+          <a:xfrm>
+            <a:off x="387350" y="3052796"/>
+            <a:ext cx="3816334" cy="2599402"/>
+          </a:xfrm>
+          <a:prstGeom prst="rect">
+            <a:avLst/>
+          </a:prstGeom>
+        </p:spPr>
+      </p:pic>
+      <p:pic>
+        <p:nvPicPr>
+          <p:cNvPr id="14" name="Picture 7">
+            <a:extLst>
+              <a:ext uri="{FF2B5EF4-FFF2-40B4-BE49-F238E27FC236}">
+                <a16:creationId xmlns:a16="http://schemas.microsoft.com/office/drawing/2014/main" id="{307F1116-2DFA-4988-9521-F39B71FA462E}"/>
+              </a:ext>
+            </a:extLst>
+          </p:cNvPr>
+          <p:cNvPicPr>
+            <a:picLocks noChangeAspect="1"/>
+          </p:cNvPicPr>
+          <p:nvPr/>
+        </p:nvPicPr>
+        <p:blipFill>
+          <a:blip r:embed="rId3">
+            <a:extLst>
+              <a:ext uri="{28A0092B-C50C-407E-A947-70E740481C1C}">
+                <a14:useLocalDpi xmlns:a14="http://schemas.microsoft.com/office/drawing/2010/main" val="0"/>
+              </a:ext>
+            </a:extLst>
+          </a:blip>
+          <a:srcRect/>
+          <a:stretch/>
+        </p:blipFill>
+        <p:spPr>
+          <a:xfrm>
+            <a:off x="4631652" y="2899589"/>
+            <a:ext cx="4716325" cy="2905817"/>
+          </a:xfrm>
+          <a:prstGeom prst="rect">
+            <a:avLst/>
+          </a:prstGeom>
+        </p:spPr>
+      </p:pic>
+    </p:spTree>
+    <p:extLst>
+      <p:ext uri="{BB962C8B-B14F-4D97-AF65-F5344CB8AC3E}">
+        <p14:creationId xmlns:p14="http://schemas.microsoft.com/office/powerpoint/2010/main" val="2649163146"/>
+      </p:ext>
+    </p:extLst>
+  </p:cSld>
+  <p:clrMapOvr>
+    <a:overrideClrMapping bg1="lt1" tx1="dk1" bg2="lt2" tx2="dk2" accent1="accent1" accent2="accent2" accent3="accent3" accent4="accent4" accent5="accent5" accent6="accent6" hlink="hlink" folHlink="folHlink"/>
+  </p:clrMapOvr>
+</p:sld>
+</file>
+
 <file path=ppt/slides/slide2.xml><?xml version="1.0" encoding="utf-8"?>
 <p:sld xmlns:a="http://schemas.openxmlformats.org/drawingml/2006/main" xmlns:r="http://schemas.openxmlformats.org/officeDocument/2006/relationships" xmlns:p="http://schemas.openxmlformats.org/presentationml/2006/main">
   <p:cSld>
@@ -7545,7 +8220,7 @@
                 <a:ea typeface="+mj-ea"/>
                 <a:cs typeface="+mj-cs"/>
               </a:rPr>
-              <a:t>Implementation</a:t>
+              <a:t>Challenges &amp; mitigations</a:t>
             </a:r>
           </a:p>
         </p:txBody>
@@ -7593,8 +8268,12 @@
             </a:pPr>
             <a:r>
               <a:rPr lang="en-US" dirty="0"/>
-              <a:t>Used Python as the code language.</a:t>
-            </a:r>
+              <a:t>Working with 3D-objects</a:t>
+            </a:r>
+            <a:br>
+              <a:rPr lang="en-US" dirty="0"/>
+            </a:br>
+            <a:endParaRPr lang="en-US" dirty="0"/>
           </a:p>
           <a:p>
             <a:pPr marL="285750" indent="-285750">
@@ -7613,37 +8292,8 @@
             </a:pPr>
             <a:r>
               <a:rPr lang="en-US" dirty="0"/>
-              <a:t>A repo was built for a user to download it and run a single command:</a:t>
-            </a:r>
-            <a:br>
-              <a:rPr lang="en-US" dirty="0"/>
-            </a:br>
-            <a:r>
-              <a:rPr lang="en-US" dirty="0">
-                <a:solidFill>
-                  <a:schemeClr val="accent1">
-                    <a:lumMod val="60000"/>
-                    <a:lumOff val="40000"/>
-                  </a:schemeClr>
-                </a:solidFill>
-                <a:hlinkClick r:id="rId2">
-                  <a:extLst>
-                    <a:ext uri="{A12FA001-AC4F-418D-AE19-62706E023703}">
-                      <ahyp:hlinkClr xmlns:ahyp="http://schemas.microsoft.com/office/drawing/2018/hyperlinkcolor" val="tx"/>
-                    </a:ext>
-                  </a:extLst>
-                </a:hlinkClick>
-              </a:rPr>
-              <a:t>https://github.com/omlad93/auto-connect</a:t>
-            </a:r>
-            <a:endParaRPr lang="en-US" dirty="0">
-              <a:solidFill>
-                <a:schemeClr val="accent1">
-                  <a:lumMod val="60000"/>
-                  <a:lumOff val="40000"/>
-                </a:schemeClr>
-              </a:solidFill>
-            </a:endParaRPr>
+              <a:t>Understanding the math behind the concept</a:t>
+            </a:r>
           </a:p>
           <a:p>
             <a:pPr marL="285750" indent="-285750">
@@ -7660,10 +8310,7 @@
               <a:buFont typeface="Wingdings 3" panose="05040102010807070707" pitchFamily="18" charset="2"/>
               <a:buChar char=""/>
             </a:pPr>
-            <a:r>
-              <a:rPr lang="en-US" dirty="0"/>
-              <a:t>The user can add meshes to the repo’s “inputs” folder and run the script.  the parameters will be determined through command arguments.</a:t>
-            </a:r>
+            <a:endParaRPr lang="en-US" dirty="0"/>
           </a:p>
           <a:p>
             <a:pPr marL="285750" indent="-285750">
@@ -7682,22 +8329,69 @@
             </a:pPr>
             <a:r>
               <a:rPr lang="en-US" dirty="0"/>
-              <a:t>Thresholds are not set for the user to change.</a:t>
-            </a:r>
-            <a:br>
+              <a:t>Choosing the interface</a:t>
+            </a:r>
+          </a:p>
+          <a:p>
+            <a:pPr marL="285750" indent="-285750">
+              <a:spcBef>
+                <a:spcPct val="20000"/>
+              </a:spcBef>
+              <a:spcAft>
+                <a:spcPts val="600"/>
+              </a:spcAft>
+              <a:buClr>
+                <a:schemeClr val="tx1"/>
+              </a:buClr>
+              <a:buSzPct val="80000"/>
+              <a:buFont typeface="Wingdings 3" panose="05040102010807070707" pitchFamily="18" charset="2"/>
+              <a:buChar char=""/>
+            </a:pPr>
+            <a:endParaRPr lang="en-US" dirty="0"/>
+          </a:p>
+          <a:p>
+            <a:pPr marL="285750" indent="-285750">
+              <a:spcBef>
+                <a:spcPct val="20000"/>
+              </a:spcBef>
+              <a:spcAft>
+                <a:spcPts val="600"/>
+              </a:spcAft>
+              <a:buClr>
+                <a:schemeClr val="tx1"/>
+              </a:buClr>
+              <a:buSzPct val="80000"/>
+              <a:buFont typeface="Wingdings 3" panose="05040102010807070707" pitchFamily="18" charset="2"/>
+              <a:buChar char=""/>
+            </a:pPr>
+            <a:r>
               <a:rPr lang="en-US" dirty="0"/>
-            </a:br>
-            <a:r>
-              <a:rPr lang="en-US" dirty="0"/>
-              <a:t>(but can be easily modified in the code)</a:t>
-            </a:r>
+              <a:t>Writing Descriptive Algorithm</a:t>
+            </a:r>
+          </a:p>
+          <a:p>
+            <a:pPr marL="285750" indent="-285750">
+              <a:spcBef>
+                <a:spcPct val="20000"/>
+              </a:spcBef>
+              <a:spcAft>
+                <a:spcPts val="600"/>
+              </a:spcAft>
+              <a:buClr>
+                <a:schemeClr val="tx1"/>
+              </a:buClr>
+              <a:buSzPct val="80000"/>
+              <a:buFont typeface="Wingdings 3" panose="05040102010807070707" pitchFamily="18" charset="2"/>
+              <a:buChar char=""/>
+            </a:pPr>
+            <a:endParaRPr lang="en-US" dirty="0"/>
           </a:p>
         </p:txBody>
       </p:sp>
     </p:spTree>
     <p:extLst>
       <p:ext uri="{BB962C8B-B14F-4D97-AF65-F5344CB8AC3E}">
-        <p14:creationId xmlns:p14="http://schemas.microsoft.com/office/powerpoint/2010/main" val="2500644417"/>
+        <p14:creationId xmlns:p14="http://schemas.microsoft.com/office/powerpoint/2010/main" val="3283987271"/>
       </p:ext>
     </p:extLst>
   </p:cSld>
@@ -8203,7 +8897,7 @@
                 <a:ea typeface="+mj-ea"/>
                 <a:cs typeface="+mj-cs"/>
               </a:rPr>
-              <a:t>Code Flow</a:t>
+              <a:t>Implementation</a:t>
             </a:r>
           </a:p>
         </p:txBody>
@@ -8235,7 +8929,7 @@
           </a:bodyPr>
           <a:lstStyle/>
           <a:p>
-            <a:pPr marL="457200" indent="-457200">
+            <a:pPr marL="285750" indent="-285750">
               <a:spcBef>
                 <a:spcPct val="20000"/>
               </a:spcBef>
@@ -8251,11 +8945,11 @@
             </a:pPr>
             <a:r>
               <a:rPr lang="en-US" dirty="0"/>
-              <a:t>Load the input mesh and perform preliminary calculations.</a:t>
-            </a:r>
-          </a:p>
-          <a:p>
-            <a:pPr marL="457200" indent="-457200">
+              <a:t>Used Python as the code language.</a:t>
+            </a:r>
+          </a:p>
+          <a:p>
+            <a:pPr marL="285750" indent="-285750">
               <a:spcBef>
                 <a:spcPct val="20000"/>
               </a:spcBef>
@@ -8271,11 +8965,40 @@
             </a:pPr>
             <a:r>
               <a:rPr lang="en-US" dirty="0"/>
-              <a:t>Calculate the seed starting point (from which the mesh is additively computed).</a:t>
-            </a:r>
-          </a:p>
-          <a:p>
-            <a:pPr marL="457200" indent="-457200">
+              <a:t>A repo was built for a user to download it and run a single command:</a:t>
+            </a:r>
+            <a:br>
+              <a:rPr lang="en-US" dirty="0"/>
+            </a:br>
+            <a:r>
+              <a:rPr lang="en-US" dirty="0">
+                <a:solidFill>
+                  <a:schemeClr val="accent1">
+                    <a:lumMod val="60000"/>
+                    <a:lumOff val="40000"/>
+                  </a:schemeClr>
+                </a:solidFill>
+                <a:hlinkClick r:id="rId2">
+                  <a:extLst>
+                    <a:ext uri="{A12FA001-AC4F-418D-AE19-62706E023703}">
+                      <ahyp:hlinkClr xmlns:ahyp="http://schemas.microsoft.com/office/drawing/2018/hyperlinkcolor" val="tx"/>
+                    </a:ext>
+                  </a:extLst>
+                </a:hlinkClick>
+              </a:rPr>
+              <a:t>https://github.com/omlad93/auto-connect</a:t>
+            </a:r>
+            <a:endParaRPr lang="en-US" dirty="0">
+              <a:solidFill>
+                <a:schemeClr val="accent1">
+                  <a:lumMod val="60000"/>
+                  <a:lumOff val="40000"/>
+                </a:schemeClr>
+              </a:solidFill>
+            </a:endParaRPr>
+          </a:p>
+          <a:p>
+            <a:pPr marL="285750" indent="-285750">
               <a:spcBef>
                 <a:spcPct val="20000"/>
               </a:spcBef>
@@ -8291,11 +9014,11 @@
             </a:pPr>
             <a:r>
               <a:rPr lang="en-US" dirty="0"/>
-              <a:t>Add triangles to the holder until conditions are met.</a:t>
-            </a:r>
-          </a:p>
-          <a:p>
-            <a:pPr marL="457200" indent="-457200">
+              <a:t>The user can add meshes to the repo’s “inputs” folder and run the script.  the parameters will be determined through command arguments.</a:t>
+            </a:r>
+          </a:p>
+          <a:p>
+            <a:pPr marL="285750" indent="-285750">
               <a:spcBef>
                 <a:spcPct val="20000"/>
               </a:spcBef>
@@ -8311,27 +9034,14 @@
             </a:pPr>
             <a:r>
               <a:rPr lang="en-US" dirty="0"/>
-              <a:t>Repeat 2 and 3 according to user’s command.</a:t>
-            </a:r>
-          </a:p>
-          <a:p>
-            <a:pPr marL="457200" indent="-457200">
-              <a:spcBef>
-                <a:spcPct val="20000"/>
-              </a:spcBef>
-              <a:spcAft>
-                <a:spcPts val="600"/>
-              </a:spcAft>
-              <a:buClr>
-                <a:schemeClr val="tx1"/>
-              </a:buClr>
-              <a:buSzPct val="80000"/>
-              <a:buFont typeface="Wingdings 3" panose="05040102010807070707" pitchFamily="18" charset="2"/>
-              <a:buChar char=""/>
-            </a:pPr>
-            <a:r>
+              <a:t>Thresholds are not set for the user to change.</a:t>
+            </a:r>
+            <a:br>
               <a:rPr lang="en-US" dirty="0"/>
-              <a:t>Output clustered representative holders to “Outputs” folder.</a:t>
+            </a:br>
+            <a:r>
+              <a:rPr lang="en-US" dirty="0"/>
+              <a:t>(but can be easily modified in the code)</a:t>
             </a:r>
           </a:p>
         </p:txBody>
@@ -8339,7 +9049,7 @@
     </p:spTree>
     <p:extLst>
       <p:ext uri="{BB962C8B-B14F-4D97-AF65-F5344CB8AC3E}">
-        <p14:creationId xmlns:p14="http://schemas.microsoft.com/office/powerpoint/2010/main" val="1681956513"/>
+        <p14:creationId xmlns:p14="http://schemas.microsoft.com/office/powerpoint/2010/main" val="2500644417"/>
       </p:ext>
     </p:extLst>
   </p:cSld>
@@ -8845,6 +9555,648 @@
                 <a:ea typeface="+mj-ea"/>
                 <a:cs typeface="+mj-cs"/>
               </a:rPr>
+              <a:t>Code Flow</a:t>
+            </a:r>
+          </a:p>
+        </p:txBody>
+      </p:sp>
+      <p:sp>
+        <p:nvSpPr>
+          <p:cNvPr id="7" name="TextBox 6">
+            <a:extLst>
+              <a:ext uri="{FF2B5EF4-FFF2-40B4-BE49-F238E27FC236}">
+                <a16:creationId xmlns:a16="http://schemas.microsoft.com/office/drawing/2014/main" id="{83A3ECF4-8994-46A9-89BA-B2BB9051ECB2}"/>
+              </a:ext>
+            </a:extLst>
+          </p:cNvPr>
+          <p:cNvSpPr txBox="1"/>
+          <p:nvPr/>
+        </p:nvSpPr>
+        <p:spPr>
+          <a:xfrm>
+            <a:off x="359302" y="1507067"/>
+            <a:ext cx="8534400" cy="3615267"/>
+          </a:xfrm>
+          <a:prstGeom prst="rect">
+            <a:avLst/>
+          </a:prstGeom>
+        </p:spPr>
+        <p:txBody>
+          <a:bodyPr vert="horz" lIns="91440" tIns="45720" rIns="91440" bIns="45720" rtlCol="0" anchor="t">
+            <a:normAutofit/>
+          </a:bodyPr>
+          <a:lstStyle/>
+          <a:p>
+            <a:pPr marL="457200" indent="-457200">
+              <a:spcBef>
+                <a:spcPct val="20000"/>
+              </a:spcBef>
+              <a:spcAft>
+                <a:spcPts val="600"/>
+              </a:spcAft>
+              <a:buClr>
+                <a:schemeClr val="tx1"/>
+              </a:buClr>
+              <a:buSzPct val="80000"/>
+              <a:buFont typeface="Wingdings 3" panose="05040102010807070707" pitchFamily="18" charset="2"/>
+              <a:buChar char=""/>
+            </a:pPr>
+            <a:r>
+              <a:rPr lang="en-US" dirty="0"/>
+              <a:t>Load the input mesh and perform preliminary calculations.</a:t>
+            </a:r>
+          </a:p>
+          <a:p>
+            <a:pPr marL="457200" indent="-457200">
+              <a:spcBef>
+                <a:spcPct val="20000"/>
+              </a:spcBef>
+              <a:spcAft>
+                <a:spcPts val="600"/>
+              </a:spcAft>
+              <a:buClr>
+                <a:schemeClr val="tx1"/>
+              </a:buClr>
+              <a:buSzPct val="80000"/>
+              <a:buFont typeface="Wingdings 3" panose="05040102010807070707" pitchFamily="18" charset="2"/>
+              <a:buChar char=""/>
+            </a:pPr>
+            <a:r>
+              <a:rPr lang="en-US" dirty="0"/>
+              <a:t>Calculate the seed starting point (from which the mesh is additively computed).</a:t>
+            </a:r>
+          </a:p>
+          <a:p>
+            <a:pPr marL="457200" indent="-457200">
+              <a:spcBef>
+                <a:spcPct val="20000"/>
+              </a:spcBef>
+              <a:spcAft>
+                <a:spcPts val="600"/>
+              </a:spcAft>
+              <a:buClr>
+                <a:schemeClr val="tx1"/>
+              </a:buClr>
+              <a:buSzPct val="80000"/>
+              <a:buFont typeface="Wingdings 3" panose="05040102010807070707" pitchFamily="18" charset="2"/>
+              <a:buChar char=""/>
+            </a:pPr>
+            <a:r>
+              <a:rPr lang="en-US" dirty="0"/>
+              <a:t>Add triangles to the holder until conditions are met.</a:t>
+            </a:r>
+          </a:p>
+          <a:p>
+            <a:pPr marL="457200" indent="-457200">
+              <a:spcBef>
+                <a:spcPct val="20000"/>
+              </a:spcBef>
+              <a:spcAft>
+                <a:spcPts val="600"/>
+              </a:spcAft>
+              <a:buClr>
+                <a:schemeClr val="tx1"/>
+              </a:buClr>
+              <a:buSzPct val="80000"/>
+              <a:buFont typeface="Wingdings 3" panose="05040102010807070707" pitchFamily="18" charset="2"/>
+              <a:buChar char=""/>
+            </a:pPr>
+            <a:r>
+              <a:rPr lang="en-US" dirty="0"/>
+              <a:t>Repeat 2 and 3 according to user’s command.</a:t>
+            </a:r>
+          </a:p>
+          <a:p>
+            <a:pPr marL="457200" indent="-457200">
+              <a:spcBef>
+                <a:spcPct val="20000"/>
+              </a:spcBef>
+              <a:spcAft>
+                <a:spcPts val="600"/>
+              </a:spcAft>
+              <a:buClr>
+                <a:schemeClr val="tx1"/>
+              </a:buClr>
+              <a:buSzPct val="80000"/>
+              <a:buFont typeface="Wingdings 3" panose="05040102010807070707" pitchFamily="18" charset="2"/>
+              <a:buChar char=""/>
+            </a:pPr>
+            <a:r>
+              <a:rPr lang="en-US" dirty="0"/>
+              <a:t>Output clustered representative holders to “Outputs” folder.</a:t>
+            </a:r>
+          </a:p>
+        </p:txBody>
+      </p:sp>
+    </p:spTree>
+    <p:extLst>
+      <p:ext uri="{BB962C8B-B14F-4D97-AF65-F5344CB8AC3E}">
+        <p14:creationId xmlns:p14="http://schemas.microsoft.com/office/powerpoint/2010/main" val="1681956513"/>
+      </p:ext>
+    </p:extLst>
+  </p:cSld>
+  <p:clrMapOvr>
+    <a:overrideClrMapping bg1="lt1" tx1="dk1" bg2="lt2" tx2="dk2" accent1="accent1" accent2="accent2" accent3="accent3" accent4="accent4" accent5="accent5" accent6="accent6" hlink="hlink" folHlink="folHlink"/>
+  </p:clrMapOvr>
+</p:sld>
+</file>
+
+<file path=ppt/slides/slide6.xml><?xml version="1.0" encoding="utf-8"?>
+<p:sld xmlns:a="http://schemas.openxmlformats.org/drawingml/2006/main" xmlns:r="http://schemas.openxmlformats.org/officeDocument/2006/relationships" xmlns:p="http://schemas.openxmlformats.org/presentationml/2006/main">
+  <p:cSld>
+    <p:bg>
+      <p:bgPr>
+        <a:gradFill rotWithShape="1">
+          <a:gsLst>
+            <a:gs pos="10000">
+              <a:schemeClr val="bg1">
+                <a:tint val="97000"/>
+                <a:hueMod val="92000"/>
+                <a:satMod val="169000"/>
+                <a:lumMod val="164000"/>
+              </a:schemeClr>
+            </a:gs>
+            <a:gs pos="100000">
+              <a:schemeClr val="bg1">
+                <a:shade val="96000"/>
+                <a:satMod val="120000"/>
+                <a:lumMod val="90000"/>
+              </a:schemeClr>
+            </a:gs>
+          </a:gsLst>
+          <a:lin ang="6120000" scaled="1"/>
+        </a:gradFill>
+        <a:effectLst/>
+      </p:bgPr>
+    </p:bg>
+    <p:spTree>
+      <p:nvGrpSpPr>
+        <p:cNvPr id="1" name=""/>
+        <p:cNvGrpSpPr/>
+        <p:nvPr/>
+      </p:nvGrpSpPr>
+      <p:grpSpPr>
+        <a:xfrm>
+          <a:off x="0" y="0"/>
+          <a:ext cx="0" cy="0"/>
+          <a:chOff x="0" y="0"/>
+          <a:chExt cx="0" cy="0"/>
+        </a:xfrm>
+      </p:grpSpPr>
+      <p:grpSp>
+        <p:nvGrpSpPr>
+          <p:cNvPr id="26" name="Group 25">
+            <a:extLst>
+              <a:ext uri="{FF2B5EF4-FFF2-40B4-BE49-F238E27FC236}">
+                <a16:creationId xmlns:a16="http://schemas.microsoft.com/office/drawing/2014/main" id="{6CC7770B-E4E1-42D6-9437-DAA4A3A9E659}"/>
+              </a:ext>
+              <a:ext uri="{C183D7F6-B498-43B3-948B-1728B52AA6E4}">
+                <adec:decorative xmlns:adec="http://schemas.microsoft.com/office/drawing/2017/decorative" val="1"/>
+              </a:ext>
+            </a:extLst>
+          </p:cNvPr>
+          <p:cNvGrpSpPr>
+            <a:grpSpLocks noGrp="1" noUngrp="1" noRot="1" noChangeAspect="1" noMove="1" noResize="1"/>
+          </p:cNvGrpSpPr>
+          <p:nvPr>
+            <p:extLst>
+              <p:ext uri="{386F3935-93C4-4BCD-93E2-E3B085C9AB24}">
+                <p16:designElem xmlns:p16="http://schemas.microsoft.com/office/powerpoint/2015/main" val="1"/>
+              </p:ext>
+            </p:extLst>
+          </p:nvPr>
+        </p:nvGrpSpPr>
+        <p:grpSpPr>
+          <a:xfrm>
+            <a:off x="9206969" y="2963333"/>
+            <a:ext cx="2981858" cy="3208867"/>
+            <a:chOff x="9206969" y="2963333"/>
+            <a:chExt cx="2981858" cy="3208867"/>
+          </a:xfrm>
+        </p:grpSpPr>
+        <p:cxnSp>
+          <p:nvCxnSpPr>
+            <p:cNvPr id="27" name="Straight Connector 26">
+              <a:extLst>
+                <a:ext uri="{FF2B5EF4-FFF2-40B4-BE49-F238E27FC236}">
+                  <a16:creationId xmlns:a16="http://schemas.microsoft.com/office/drawing/2014/main" id="{5A26DE5B-A1A6-4746-8EF7-4D6809ED75EE}"/>
+                </a:ext>
+                <a:ext uri="{C183D7F6-B498-43B3-948B-1728B52AA6E4}">
+                  <adec:decorative xmlns:adec="http://schemas.microsoft.com/office/drawing/2017/decorative" val="1"/>
+                </a:ext>
+              </a:extLst>
+            </p:cNvPr>
+            <p:cNvCxnSpPr/>
+            <p:nvPr>
+              <p:extLst>
+                <p:ext uri="{386F3935-93C4-4BCD-93E2-E3B085C9AB24}">
+                  <p16:designElem xmlns:p16="http://schemas.microsoft.com/office/powerpoint/2015/main" val="1"/>
+                </p:ext>
+              </p:extLst>
+            </p:nvPr>
+          </p:nvCxnSpPr>
+          <p:spPr>
+            <a:xfrm flipH="1">
+              <a:off x="11276012" y="2963333"/>
+              <a:ext cx="912814" cy="912812"/>
+            </a:xfrm>
+            <a:prstGeom prst="line">
+              <a:avLst/>
+            </a:prstGeom>
+            <a:ln w="9525">
+              <a:solidFill>
+                <a:schemeClr val="tx1"/>
+              </a:solidFill>
+            </a:ln>
+          </p:spPr>
+          <p:style>
+            <a:lnRef idx="2">
+              <a:schemeClr val="accent1"/>
+            </a:lnRef>
+            <a:fillRef idx="0">
+              <a:schemeClr val="accent1"/>
+            </a:fillRef>
+            <a:effectRef idx="1">
+              <a:schemeClr val="accent1"/>
+            </a:effectRef>
+            <a:fontRef idx="minor">
+              <a:schemeClr val="tx1"/>
+            </a:fontRef>
+          </p:style>
+        </p:cxnSp>
+        <p:cxnSp>
+          <p:nvCxnSpPr>
+            <p:cNvPr id="28" name="Straight Connector 27">
+              <a:extLst>
+                <a:ext uri="{FF2B5EF4-FFF2-40B4-BE49-F238E27FC236}">
+                  <a16:creationId xmlns:a16="http://schemas.microsoft.com/office/drawing/2014/main" id="{377A3DDA-BF17-4302-867E-EBFD777B0627}"/>
+                </a:ext>
+                <a:ext uri="{C183D7F6-B498-43B3-948B-1728B52AA6E4}">
+                  <adec:decorative xmlns:adec="http://schemas.microsoft.com/office/drawing/2017/decorative" val="1"/>
+                </a:ext>
+              </a:extLst>
+            </p:cNvPr>
+            <p:cNvCxnSpPr/>
+            <p:nvPr>
+              <p:extLst>
+                <p:ext uri="{386F3935-93C4-4BCD-93E2-E3B085C9AB24}">
+                  <p16:designElem xmlns:p16="http://schemas.microsoft.com/office/powerpoint/2015/main" val="1"/>
+                </p:ext>
+              </p:extLst>
+            </p:nvPr>
+          </p:nvCxnSpPr>
+          <p:spPr>
+            <a:xfrm flipH="1">
+              <a:off x="9206969" y="3190344"/>
+              <a:ext cx="2981857" cy="2981856"/>
+            </a:xfrm>
+            <a:prstGeom prst="line">
+              <a:avLst/>
+            </a:prstGeom>
+            <a:ln w="9525">
+              <a:solidFill>
+                <a:schemeClr val="tx1"/>
+              </a:solidFill>
+            </a:ln>
+          </p:spPr>
+          <p:style>
+            <a:lnRef idx="2">
+              <a:schemeClr val="accent1"/>
+            </a:lnRef>
+            <a:fillRef idx="0">
+              <a:schemeClr val="accent1"/>
+            </a:fillRef>
+            <a:effectRef idx="1">
+              <a:schemeClr val="accent1"/>
+            </a:effectRef>
+            <a:fontRef idx="minor">
+              <a:schemeClr val="tx1"/>
+            </a:fontRef>
+          </p:style>
+        </p:cxnSp>
+        <p:cxnSp>
+          <p:nvCxnSpPr>
+            <p:cNvPr id="29" name="Straight Connector 28">
+              <a:extLst>
+                <a:ext uri="{FF2B5EF4-FFF2-40B4-BE49-F238E27FC236}">
+                  <a16:creationId xmlns:a16="http://schemas.microsoft.com/office/drawing/2014/main" id="{CBE30704-4227-4B7B-BDB8-BFCF39086FA4}"/>
+                </a:ext>
+                <a:ext uri="{C183D7F6-B498-43B3-948B-1728B52AA6E4}">
+                  <adec:decorative xmlns:adec="http://schemas.microsoft.com/office/drawing/2017/decorative" val="1"/>
+                </a:ext>
+              </a:extLst>
+            </p:cNvPr>
+            <p:cNvCxnSpPr/>
+            <p:nvPr>
+              <p:extLst>
+                <p:ext uri="{386F3935-93C4-4BCD-93E2-E3B085C9AB24}">
+                  <p16:designElem xmlns:p16="http://schemas.microsoft.com/office/powerpoint/2015/main" val="1"/>
+                </p:ext>
+              </p:extLst>
+            </p:nvPr>
+          </p:nvCxnSpPr>
+          <p:spPr>
+            <a:xfrm flipH="1">
+              <a:off x="10292292" y="3285067"/>
+              <a:ext cx="1896534" cy="1896533"/>
+            </a:xfrm>
+            <a:prstGeom prst="line">
+              <a:avLst/>
+            </a:prstGeom>
+            <a:ln w="9525">
+              <a:solidFill>
+                <a:schemeClr val="tx1"/>
+              </a:solidFill>
+            </a:ln>
+          </p:spPr>
+          <p:style>
+            <a:lnRef idx="2">
+              <a:schemeClr val="accent1"/>
+            </a:lnRef>
+            <a:fillRef idx="0">
+              <a:schemeClr val="accent1"/>
+            </a:fillRef>
+            <a:effectRef idx="1">
+              <a:schemeClr val="accent1"/>
+            </a:effectRef>
+            <a:fontRef idx="minor">
+              <a:schemeClr val="tx1"/>
+            </a:fontRef>
+          </p:style>
+        </p:cxnSp>
+        <p:cxnSp>
+          <p:nvCxnSpPr>
+            <p:cNvPr id="30" name="Straight Connector 29">
+              <a:extLst>
+                <a:ext uri="{FF2B5EF4-FFF2-40B4-BE49-F238E27FC236}">
+                  <a16:creationId xmlns:a16="http://schemas.microsoft.com/office/drawing/2014/main" id="{B923B1E7-AEA4-42D8-8F4A-9D116F29665C}"/>
+                </a:ext>
+                <a:ext uri="{C183D7F6-B498-43B3-948B-1728B52AA6E4}">
+                  <adec:decorative xmlns:adec="http://schemas.microsoft.com/office/drawing/2017/decorative" val="1"/>
+                </a:ext>
+              </a:extLst>
+            </p:cNvPr>
+            <p:cNvCxnSpPr/>
+            <p:nvPr>
+              <p:extLst>
+                <p:ext uri="{386F3935-93C4-4BCD-93E2-E3B085C9AB24}">
+                  <p16:designElem xmlns:p16="http://schemas.microsoft.com/office/powerpoint/2015/main" val="1"/>
+                </p:ext>
+              </p:extLst>
+            </p:nvPr>
+          </p:nvCxnSpPr>
+          <p:spPr>
+            <a:xfrm flipH="1">
+              <a:off x="10443103" y="3131080"/>
+              <a:ext cx="1745722" cy="1745720"/>
+            </a:xfrm>
+            <a:prstGeom prst="line">
+              <a:avLst/>
+            </a:prstGeom>
+            <a:ln w="28575">
+              <a:solidFill>
+                <a:schemeClr val="tx1"/>
+              </a:solidFill>
+            </a:ln>
+          </p:spPr>
+          <p:style>
+            <a:lnRef idx="2">
+              <a:schemeClr val="accent1"/>
+            </a:lnRef>
+            <a:fillRef idx="0">
+              <a:schemeClr val="accent1"/>
+            </a:fillRef>
+            <a:effectRef idx="1">
+              <a:schemeClr val="accent1"/>
+            </a:effectRef>
+            <a:fontRef idx="minor">
+              <a:schemeClr val="tx1"/>
+            </a:fontRef>
+          </p:style>
+        </p:cxnSp>
+        <p:cxnSp>
+          <p:nvCxnSpPr>
+            <p:cNvPr id="31" name="Straight Connector 30">
+              <a:extLst>
+                <a:ext uri="{FF2B5EF4-FFF2-40B4-BE49-F238E27FC236}">
+                  <a16:creationId xmlns:a16="http://schemas.microsoft.com/office/drawing/2014/main" id="{321B6244-6EAE-442C-ACCF-8146103EC1D5}"/>
+                </a:ext>
+                <a:ext uri="{C183D7F6-B498-43B3-948B-1728B52AA6E4}">
+                  <adec:decorative xmlns:adec="http://schemas.microsoft.com/office/drawing/2017/decorative" val="1"/>
+                </a:ext>
+              </a:extLst>
+            </p:cNvPr>
+            <p:cNvCxnSpPr/>
+            <p:nvPr>
+              <p:extLst>
+                <p:ext uri="{386F3935-93C4-4BCD-93E2-E3B085C9AB24}">
+                  <p16:designElem xmlns:p16="http://schemas.microsoft.com/office/powerpoint/2015/main" val="1"/>
+                </p:ext>
+              </p:extLst>
+            </p:nvPr>
+          </p:nvCxnSpPr>
+          <p:spPr>
+            <a:xfrm flipH="1">
+              <a:off x="10918826" y="3683001"/>
+              <a:ext cx="1270001" cy="1269999"/>
+            </a:xfrm>
+            <a:prstGeom prst="line">
+              <a:avLst/>
+            </a:prstGeom>
+            <a:ln w="28575">
+              <a:solidFill>
+                <a:schemeClr val="tx1"/>
+              </a:solidFill>
+            </a:ln>
+          </p:spPr>
+          <p:style>
+            <a:lnRef idx="2">
+              <a:schemeClr val="accent1"/>
+            </a:lnRef>
+            <a:fillRef idx="0">
+              <a:schemeClr val="accent1"/>
+            </a:fillRef>
+            <a:effectRef idx="1">
+              <a:schemeClr val="accent1"/>
+            </a:effectRef>
+            <a:fontRef idx="minor">
+              <a:schemeClr val="tx1"/>
+            </a:fontRef>
+          </p:style>
+        </p:cxnSp>
+      </p:grpSp>
+      <p:sp>
+        <p:nvSpPr>
+          <p:cNvPr id="33" name="Snip Diagonal Corner Rectangle 6">
+            <a:extLst>
+              <a:ext uri="{FF2B5EF4-FFF2-40B4-BE49-F238E27FC236}">
+                <a16:creationId xmlns:a16="http://schemas.microsoft.com/office/drawing/2014/main" id="{AD2D45C7-2E37-44FD-AC77-116CD14B9ED9}"/>
+              </a:ext>
+              <a:ext uri="{C183D7F6-B498-43B3-948B-1728B52AA6E4}">
+                <adec:decorative xmlns:adec="http://schemas.microsoft.com/office/drawing/2017/decorative" val="1"/>
+              </a:ext>
+            </a:extLst>
+          </p:cNvPr>
+          <p:cNvSpPr>
+            <a:spLocks noGrp="1" noRot="1" noChangeAspect="1" noMove="1" noResize="1" noEditPoints="1" noAdjustHandles="1" noChangeArrowheads="1" noChangeShapeType="1" noTextEdit="1"/>
+          </p:cNvSpPr>
+          <p:nvPr>
+            <p:extLst>
+              <p:ext uri="{386F3935-93C4-4BCD-93E2-E3B085C9AB24}">
+                <p16:designElem xmlns:p16="http://schemas.microsoft.com/office/powerpoint/2015/main" val="1"/>
+              </p:ext>
+            </p:extLst>
+          </p:nvPr>
+        </p:nvSpPr>
+        <p:spPr>
+          <a:xfrm flipH="1">
+            <a:off x="925" y="2"/>
+            <a:ext cx="12191075" cy="6857998"/>
+          </a:xfrm>
+          <a:prstGeom prst="rect">
+            <a:avLst/>
+          </a:prstGeom>
+          <a:ln>
+            <a:noFill/>
+          </a:ln>
+        </p:spPr>
+        <p:style>
+          <a:lnRef idx="2">
+            <a:schemeClr val="accent2"/>
+          </a:lnRef>
+          <a:fillRef idx="1002">
+            <a:schemeClr val="dk2"/>
+          </a:fillRef>
+          <a:effectRef idx="0">
+            <a:schemeClr val="accent2"/>
+          </a:effectRef>
+          <a:fontRef idx="minor">
+            <a:schemeClr val="dk1"/>
+          </a:fontRef>
+        </p:style>
+        <p:txBody>
+          <a:bodyPr wrap="square" rtlCol="0" anchor="ctr">
+            <a:noAutofit/>
+          </a:bodyPr>
+          <a:lstStyle/>
+          <a:p>
+            <a:pPr algn="ctr"/>
+            <a:endParaRPr lang="en-US"/>
+          </a:p>
+        </p:txBody>
+      </p:sp>
+      <p:sp useBgFill="1">
+        <p:nvSpPr>
+          <p:cNvPr id="35" name="Snip Single Corner Rectangle 17">
+            <a:extLst>
+              <a:ext uri="{FF2B5EF4-FFF2-40B4-BE49-F238E27FC236}">
+                <a16:creationId xmlns:a16="http://schemas.microsoft.com/office/drawing/2014/main" id="{1FF88480-2CF1-4C54-8CE3-2CA9CD9FF896}"/>
+              </a:ext>
+              <a:ext uri="{C183D7F6-B498-43B3-948B-1728B52AA6E4}">
+                <adec:decorative xmlns:adec="http://schemas.microsoft.com/office/drawing/2017/decorative" val="1"/>
+              </a:ext>
+            </a:extLst>
+          </p:cNvPr>
+          <p:cNvSpPr>
+            <a:spLocks noGrp="1" noRot="1" noChangeAspect="1" noMove="1" noResize="1" noEditPoints="1" noAdjustHandles="1" noChangeArrowheads="1" noChangeShapeType="1" noTextEdit="1"/>
+          </p:cNvSpPr>
+          <p:nvPr>
+            <p:extLst>
+              <p:ext uri="{386F3935-93C4-4BCD-93E2-E3B085C9AB24}">
+                <p16:designElem xmlns:p16="http://schemas.microsoft.com/office/powerpoint/2015/main" val="1"/>
+              </p:ext>
+            </p:extLst>
+          </p:nvPr>
+        </p:nvSpPr>
+        <p:spPr>
+          <a:xfrm flipV="1">
+            <a:off x="0" y="1"/>
+            <a:ext cx="12188825" cy="6857999"/>
+          </a:xfrm>
+          <a:prstGeom prst="snip1Rect">
+            <a:avLst>
+              <a:gd name="adj" fmla="val 50000"/>
+            </a:avLst>
+          </a:prstGeom>
+          <a:ln>
+            <a:noFill/>
+          </a:ln>
+          <a:effectLst/>
+        </p:spPr>
+        <p:style>
+          <a:lnRef idx="2">
+            <a:schemeClr val="accent1">
+              <a:shade val="50000"/>
+            </a:schemeClr>
+          </a:lnRef>
+          <a:fillRef idx="1003">
+            <a:schemeClr val="dk2"/>
+          </a:fillRef>
+          <a:effectRef idx="0">
+            <a:schemeClr val="accent1"/>
+          </a:effectRef>
+          <a:fontRef idx="minor">
+            <a:schemeClr val="lt1"/>
+          </a:fontRef>
+        </p:style>
+        <p:txBody>
+          <a:bodyPr wrap="square" rtlCol="0" anchor="ctr">
+            <a:noAutofit/>
+          </a:bodyPr>
+          <a:lstStyle/>
+          <a:p>
+            <a:pPr algn="ctr"/>
+            <a:endParaRPr lang="en-US"/>
+          </a:p>
+        </p:txBody>
+      </p:sp>
+      <p:sp>
+        <p:nvSpPr>
+          <p:cNvPr id="6" name="TextBox 5">
+            <a:extLst>
+              <a:ext uri="{FF2B5EF4-FFF2-40B4-BE49-F238E27FC236}">
+                <a16:creationId xmlns:a16="http://schemas.microsoft.com/office/drawing/2014/main" id="{01B5766C-C242-4E8B-8662-041109CBB9EE}"/>
+              </a:ext>
+            </a:extLst>
+          </p:cNvPr>
+          <p:cNvSpPr txBox="1"/>
+          <p:nvPr/>
+        </p:nvSpPr>
+        <p:spPr>
+          <a:xfrm>
+            <a:off x="3175" y="0"/>
+            <a:ext cx="8534400" cy="1507067"/>
+          </a:xfrm>
+          <a:prstGeom prst="rect">
+            <a:avLst/>
+          </a:prstGeom>
+        </p:spPr>
+        <p:txBody>
+          <a:bodyPr vert="horz" lIns="91440" tIns="45720" rIns="91440" bIns="45720" rtlCol="0" anchor="ctr">
+            <a:normAutofit/>
+          </a:bodyPr>
+          <a:lstStyle/>
+          <a:p>
+            <a:pPr>
+              <a:spcBef>
+                <a:spcPct val="0"/>
+              </a:spcBef>
+              <a:spcAft>
+                <a:spcPts val="600"/>
+              </a:spcAft>
+            </a:pPr>
+            <a:r>
+              <a:rPr lang="en-US" sz="4000" b="1" cap="all" dirty="0">
+                <a:ln w="3175" cmpd="sng">
+                  <a:noFill/>
+                </a:ln>
+                <a:solidFill>
+                  <a:schemeClr val="tx2"/>
+                </a:solidFill>
+                <a:latin typeface="+mj-lt"/>
+                <a:ea typeface="+mj-ea"/>
+                <a:cs typeface="+mj-cs"/>
+              </a:rPr>
               <a:t>Results – Running Example </a:t>
             </a:r>
           </a:p>
@@ -8995,7 +10347,7 @@
 </p:sld>
 </file>
 
-<file path=ppt/slides/slide6.xml><?xml version="1.0" encoding="utf-8"?>
+<file path=ppt/slides/slide7.xml><?xml version="1.0" encoding="utf-8"?>
 <p:sld xmlns:a="http://schemas.openxmlformats.org/drawingml/2006/main" xmlns:r="http://schemas.openxmlformats.org/officeDocument/2006/relationships" xmlns:p="http://schemas.openxmlformats.org/presentationml/2006/main">
   <p:cSld>
     <p:bg>
@@ -9664,7 +11016,7 @@
 </p:sld>
 </file>
 
-<file path=ppt/slides/slide7.xml><?xml version="1.0" encoding="utf-8"?>
+<file path=ppt/slides/slide8.xml><?xml version="1.0" encoding="utf-8"?>
 <p:sld xmlns:a="http://schemas.openxmlformats.org/drawingml/2006/main" xmlns:r="http://schemas.openxmlformats.org/officeDocument/2006/relationships" xmlns:p="http://schemas.openxmlformats.org/presentationml/2006/main">
   <p:cSld>
     <p:bg>
@@ -10338,7 +11690,7 @@
 </p:sld>
 </file>
 
-<file path=ppt/slides/slide8.xml><?xml version="1.0" encoding="utf-8"?>
+<file path=ppt/slides/slide9.xml><?xml version="1.0" encoding="utf-8"?>
 <p:sld xmlns:a="http://schemas.openxmlformats.org/drawingml/2006/main" xmlns:r="http://schemas.openxmlformats.org/officeDocument/2006/relationships" xmlns:p="http://schemas.openxmlformats.org/presentationml/2006/main">
   <p:cSld>
     <p:bg>
@@ -11003,680 +12355,6 @@
     <p:extLst>
       <p:ext uri="{BB962C8B-B14F-4D97-AF65-F5344CB8AC3E}">
         <p14:creationId xmlns:p14="http://schemas.microsoft.com/office/powerpoint/2010/main" val="347277379"/>
-      </p:ext>
-    </p:extLst>
-  </p:cSld>
-  <p:clrMapOvr>
-    <a:overrideClrMapping bg1="lt1" tx1="dk1" bg2="lt2" tx2="dk2" accent1="accent1" accent2="accent2" accent3="accent3" accent4="accent4" accent5="accent5" accent6="accent6" hlink="hlink" folHlink="folHlink"/>
-  </p:clrMapOvr>
-</p:sld>
-</file>
-
-<file path=ppt/slides/slide9.xml><?xml version="1.0" encoding="utf-8"?>
-<p:sld xmlns:a="http://schemas.openxmlformats.org/drawingml/2006/main" xmlns:r="http://schemas.openxmlformats.org/officeDocument/2006/relationships" xmlns:p="http://schemas.openxmlformats.org/presentationml/2006/main">
-  <p:cSld>
-    <p:bg>
-      <p:bgPr>
-        <a:gradFill rotWithShape="1">
-          <a:gsLst>
-            <a:gs pos="10000">
-              <a:schemeClr val="bg1">
-                <a:tint val="97000"/>
-                <a:hueMod val="92000"/>
-                <a:satMod val="169000"/>
-                <a:lumMod val="164000"/>
-              </a:schemeClr>
-            </a:gs>
-            <a:gs pos="100000">
-              <a:schemeClr val="bg1">
-                <a:shade val="96000"/>
-                <a:satMod val="120000"/>
-                <a:lumMod val="90000"/>
-              </a:schemeClr>
-            </a:gs>
-          </a:gsLst>
-          <a:lin ang="6120000" scaled="1"/>
-        </a:gradFill>
-        <a:effectLst/>
-      </p:bgPr>
-    </p:bg>
-    <p:spTree>
-      <p:nvGrpSpPr>
-        <p:cNvPr id="1" name=""/>
-        <p:cNvGrpSpPr/>
-        <p:nvPr/>
-      </p:nvGrpSpPr>
-      <p:grpSpPr>
-        <a:xfrm>
-          <a:off x="0" y="0"/>
-          <a:ext cx="0" cy="0"/>
-          <a:chOff x="0" y="0"/>
-          <a:chExt cx="0" cy="0"/>
-        </a:xfrm>
-      </p:grpSpPr>
-      <p:grpSp>
-        <p:nvGrpSpPr>
-          <p:cNvPr id="26" name="Group 25">
-            <a:extLst>
-              <a:ext uri="{FF2B5EF4-FFF2-40B4-BE49-F238E27FC236}">
-                <a16:creationId xmlns:a16="http://schemas.microsoft.com/office/drawing/2014/main" id="{6CC7770B-E4E1-42D6-9437-DAA4A3A9E659}"/>
-              </a:ext>
-              <a:ext uri="{C183D7F6-B498-43B3-948B-1728B52AA6E4}">
-                <adec:decorative xmlns:adec="http://schemas.microsoft.com/office/drawing/2017/decorative" val="1"/>
-              </a:ext>
-            </a:extLst>
-          </p:cNvPr>
-          <p:cNvGrpSpPr>
-            <a:grpSpLocks noGrp="1" noUngrp="1" noRot="1" noChangeAspect="1" noMove="1" noResize="1"/>
-          </p:cNvGrpSpPr>
-          <p:nvPr>
-            <p:extLst>
-              <p:ext uri="{386F3935-93C4-4BCD-93E2-E3B085C9AB24}">
-                <p16:designElem xmlns:p16="http://schemas.microsoft.com/office/powerpoint/2015/main" val="1"/>
-              </p:ext>
-            </p:extLst>
-          </p:nvPr>
-        </p:nvGrpSpPr>
-        <p:grpSpPr>
-          <a:xfrm>
-            <a:off x="9206969" y="2963333"/>
-            <a:ext cx="2981858" cy="3208867"/>
-            <a:chOff x="9206969" y="2963333"/>
-            <a:chExt cx="2981858" cy="3208867"/>
-          </a:xfrm>
-        </p:grpSpPr>
-        <p:cxnSp>
-          <p:nvCxnSpPr>
-            <p:cNvPr id="27" name="Straight Connector 26">
-              <a:extLst>
-                <a:ext uri="{FF2B5EF4-FFF2-40B4-BE49-F238E27FC236}">
-                  <a16:creationId xmlns:a16="http://schemas.microsoft.com/office/drawing/2014/main" id="{5A26DE5B-A1A6-4746-8EF7-4D6809ED75EE}"/>
-                </a:ext>
-                <a:ext uri="{C183D7F6-B498-43B3-948B-1728B52AA6E4}">
-                  <adec:decorative xmlns:adec="http://schemas.microsoft.com/office/drawing/2017/decorative" val="1"/>
-                </a:ext>
-              </a:extLst>
-            </p:cNvPr>
-            <p:cNvCxnSpPr/>
-            <p:nvPr>
-              <p:extLst>
-                <p:ext uri="{386F3935-93C4-4BCD-93E2-E3B085C9AB24}">
-                  <p16:designElem xmlns:p16="http://schemas.microsoft.com/office/powerpoint/2015/main" val="1"/>
-                </p:ext>
-              </p:extLst>
-            </p:nvPr>
-          </p:nvCxnSpPr>
-          <p:spPr>
-            <a:xfrm flipH="1">
-              <a:off x="11276012" y="2963333"/>
-              <a:ext cx="912814" cy="912812"/>
-            </a:xfrm>
-            <a:prstGeom prst="line">
-              <a:avLst/>
-            </a:prstGeom>
-            <a:ln w="9525">
-              <a:solidFill>
-                <a:schemeClr val="tx1"/>
-              </a:solidFill>
-            </a:ln>
-          </p:spPr>
-          <p:style>
-            <a:lnRef idx="2">
-              <a:schemeClr val="accent1"/>
-            </a:lnRef>
-            <a:fillRef idx="0">
-              <a:schemeClr val="accent1"/>
-            </a:fillRef>
-            <a:effectRef idx="1">
-              <a:schemeClr val="accent1"/>
-            </a:effectRef>
-            <a:fontRef idx="minor">
-              <a:schemeClr val="tx1"/>
-            </a:fontRef>
-          </p:style>
-        </p:cxnSp>
-        <p:cxnSp>
-          <p:nvCxnSpPr>
-            <p:cNvPr id="28" name="Straight Connector 27">
-              <a:extLst>
-                <a:ext uri="{FF2B5EF4-FFF2-40B4-BE49-F238E27FC236}">
-                  <a16:creationId xmlns:a16="http://schemas.microsoft.com/office/drawing/2014/main" id="{377A3DDA-BF17-4302-867E-EBFD777B0627}"/>
-                </a:ext>
-                <a:ext uri="{C183D7F6-B498-43B3-948B-1728B52AA6E4}">
-                  <adec:decorative xmlns:adec="http://schemas.microsoft.com/office/drawing/2017/decorative" val="1"/>
-                </a:ext>
-              </a:extLst>
-            </p:cNvPr>
-            <p:cNvCxnSpPr/>
-            <p:nvPr>
-              <p:extLst>
-                <p:ext uri="{386F3935-93C4-4BCD-93E2-E3B085C9AB24}">
-                  <p16:designElem xmlns:p16="http://schemas.microsoft.com/office/powerpoint/2015/main" val="1"/>
-                </p:ext>
-              </p:extLst>
-            </p:nvPr>
-          </p:nvCxnSpPr>
-          <p:spPr>
-            <a:xfrm flipH="1">
-              <a:off x="9206969" y="3190344"/>
-              <a:ext cx="2981857" cy="2981856"/>
-            </a:xfrm>
-            <a:prstGeom prst="line">
-              <a:avLst/>
-            </a:prstGeom>
-            <a:ln w="9525">
-              <a:solidFill>
-                <a:schemeClr val="tx1"/>
-              </a:solidFill>
-            </a:ln>
-          </p:spPr>
-          <p:style>
-            <a:lnRef idx="2">
-              <a:schemeClr val="accent1"/>
-            </a:lnRef>
-            <a:fillRef idx="0">
-              <a:schemeClr val="accent1"/>
-            </a:fillRef>
-            <a:effectRef idx="1">
-              <a:schemeClr val="accent1"/>
-            </a:effectRef>
-            <a:fontRef idx="minor">
-              <a:schemeClr val="tx1"/>
-            </a:fontRef>
-          </p:style>
-        </p:cxnSp>
-        <p:cxnSp>
-          <p:nvCxnSpPr>
-            <p:cNvPr id="29" name="Straight Connector 28">
-              <a:extLst>
-                <a:ext uri="{FF2B5EF4-FFF2-40B4-BE49-F238E27FC236}">
-                  <a16:creationId xmlns:a16="http://schemas.microsoft.com/office/drawing/2014/main" id="{CBE30704-4227-4B7B-BDB8-BFCF39086FA4}"/>
-                </a:ext>
-                <a:ext uri="{C183D7F6-B498-43B3-948B-1728B52AA6E4}">
-                  <adec:decorative xmlns:adec="http://schemas.microsoft.com/office/drawing/2017/decorative" val="1"/>
-                </a:ext>
-              </a:extLst>
-            </p:cNvPr>
-            <p:cNvCxnSpPr/>
-            <p:nvPr>
-              <p:extLst>
-                <p:ext uri="{386F3935-93C4-4BCD-93E2-E3B085C9AB24}">
-                  <p16:designElem xmlns:p16="http://schemas.microsoft.com/office/powerpoint/2015/main" val="1"/>
-                </p:ext>
-              </p:extLst>
-            </p:nvPr>
-          </p:nvCxnSpPr>
-          <p:spPr>
-            <a:xfrm flipH="1">
-              <a:off x="10292292" y="3285067"/>
-              <a:ext cx="1896534" cy="1896533"/>
-            </a:xfrm>
-            <a:prstGeom prst="line">
-              <a:avLst/>
-            </a:prstGeom>
-            <a:ln w="9525">
-              <a:solidFill>
-                <a:schemeClr val="tx1"/>
-              </a:solidFill>
-            </a:ln>
-          </p:spPr>
-          <p:style>
-            <a:lnRef idx="2">
-              <a:schemeClr val="accent1"/>
-            </a:lnRef>
-            <a:fillRef idx="0">
-              <a:schemeClr val="accent1"/>
-            </a:fillRef>
-            <a:effectRef idx="1">
-              <a:schemeClr val="accent1"/>
-            </a:effectRef>
-            <a:fontRef idx="minor">
-              <a:schemeClr val="tx1"/>
-            </a:fontRef>
-          </p:style>
-        </p:cxnSp>
-        <p:cxnSp>
-          <p:nvCxnSpPr>
-            <p:cNvPr id="30" name="Straight Connector 29">
-              <a:extLst>
-                <a:ext uri="{FF2B5EF4-FFF2-40B4-BE49-F238E27FC236}">
-                  <a16:creationId xmlns:a16="http://schemas.microsoft.com/office/drawing/2014/main" id="{B923B1E7-AEA4-42D8-8F4A-9D116F29665C}"/>
-                </a:ext>
-                <a:ext uri="{C183D7F6-B498-43B3-948B-1728B52AA6E4}">
-                  <adec:decorative xmlns:adec="http://schemas.microsoft.com/office/drawing/2017/decorative" val="1"/>
-                </a:ext>
-              </a:extLst>
-            </p:cNvPr>
-            <p:cNvCxnSpPr/>
-            <p:nvPr>
-              <p:extLst>
-                <p:ext uri="{386F3935-93C4-4BCD-93E2-E3B085C9AB24}">
-                  <p16:designElem xmlns:p16="http://schemas.microsoft.com/office/powerpoint/2015/main" val="1"/>
-                </p:ext>
-              </p:extLst>
-            </p:nvPr>
-          </p:nvCxnSpPr>
-          <p:spPr>
-            <a:xfrm flipH="1">
-              <a:off x="10443103" y="3131080"/>
-              <a:ext cx="1745722" cy="1745720"/>
-            </a:xfrm>
-            <a:prstGeom prst="line">
-              <a:avLst/>
-            </a:prstGeom>
-            <a:ln w="28575">
-              <a:solidFill>
-                <a:schemeClr val="tx1"/>
-              </a:solidFill>
-            </a:ln>
-          </p:spPr>
-          <p:style>
-            <a:lnRef idx="2">
-              <a:schemeClr val="accent1"/>
-            </a:lnRef>
-            <a:fillRef idx="0">
-              <a:schemeClr val="accent1"/>
-            </a:fillRef>
-            <a:effectRef idx="1">
-              <a:schemeClr val="accent1"/>
-            </a:effectRef>
-            <a:fontRef idx="minor">
-              <a:schemeClr val="tx1"/>
-            </a:fontRef>
-          </p:style>
-        </p:cxnSp>
-        <p:cxnSp>
-          <p:nvCxnSpPr>
-            <p:cNvPr id="31" name="Straight Connector 30">
-              <a:extLst>
-                <a:ext uri="{FF2B5EF4-FFF2-40B4-BE49-F238E27FC236}">
-                  <a16:creationId xmlns:a16="http://schemas.microsoft.com/office/drawing/2014/main" id="{321B6244-6EAE-442C-ACCF-8146103EC1D5}"/>
-                </a:ext>
-                <a:ext uri="{C183D7F6-B498-43B3-948B-1728B52AA6E4}">
-                  <adec:decorative xmlns:adec="http://schemas.microsoft.com/office/drawing/2017/decorative" val="1"/>
-                </a:ext>
-              </a:extLst>
-            </p:cNvPr>
-            <p:cNvCxnSpPr/>
-            <p:nvPr>
-              <p:extLst>
-                <p:ext uri="{386F3935-93C4-4BCD-93E2-E3B085C9AB24}">
-                  <p16:designElem xmlns:p16="http://schemas.microsoft.com/office/powerpoint/2015/main" val="1"/>
-                </p:ext>
-              </p:extLst>
-            </p:nvPr>
-          </p:nvCxnSpPr>
-          <p:spPr>
-            <a:xfrm flipH="1">
-              <a:off x="10918826" y="3683001"/>
-              <a:ext cx="1270001" cy="1269999"/>
-            </a:xfrm>
-            <a:prstGeom prst="line">
-              <a:avLst/>
-            </a:prstGeom>
-            <a:ln w="28575">
-              <a:solidFill>
-                <a:schemeClr val="tx1"/>
-              </a:solidFill>
-            </a:ln>
-          </p:spPr>
-          <p:style>
-            <a:lnRef idx="2">
-              <a:schemeClr val="accent1"/>
-            </a:lnRef>
-            <a:fillRef idx="0">
-              <a:schemeClr val="accent1"/>
-            </a:fillRef>
-            <a:effectRef idx="1">
-              <a:schemeClr val="accent1"/>
-            </a:effectRef>
-            <a:fontRef idx="minor">
-              <a:schemeClr val="tx1"/>
-            </a:fontRef>
-          </p:style>
-        </p:cxnSp>
-      </p:grpSp>
-      <p:sp>
-        <p:nvSpPr>
-          <p:cNvPr id="33" name="Snip Diagonal Corner Rectangle 6">
-            <a:extLst>
-              <a:ext uri="{FF2B5EF4-FFF2-40B4-BE49-F238E27FC236}">
-                <a16:creationId xmlns:a16="http://schemas.microsoft.com/office/drawing/2014/main" id="{AD2D45C7-2E37-44FD-AC77-116CD14B9ED9}"/>
-              </a:ext>
-              <a:ext uri="{C183D7F6-B498-43B3-948B-1728B52AA6E4}">
-                <adec:decorative xmlns:adec="http://schemas.microsoft.com/office/drawing/2017/decorative" val="1"/>
-              </a:ext>
-            </a:extLst>
-          </p:cNvPr>
-          <p:cNvSpPr>
-            <a:spLocks noGrp="1" noRot="1" noChangeAspect="1" noMove="1" noResize="1" noEditPoints="1" noAdjustHandles="1" noChangeArrowheads="1" noChangeShapeType="1" noTextEdit="1"/>
-          </p:cNvSpPr>
-          <p:nvPr>
-            <p:extLst>
-              <p:ext uri="{386F3935-93C4-4BCD-93E2-E3B085C9AB24}">
-                <p16:designElem xmlns:p16="http://schemas.microsoft.com/office/powerpoint/2015/main" val="1"/>
-              </p:ext>
-            </p:extLst>
-          </p:nvPr>
-        </p:nvSpPr>
-        <p:spPr>
-          <a:xfrm flipH="1">
-            <a:off x="925" y="2"/>
-            <a:ext cx="12191075" cy="6857998"/>
-          </a:xfrm>
-          <a:prstGeom prst="rect">
-            <a:avLst/>
-          </a:prstGeom>
-          <a:ln>
-            <a:noFill/>
-          </a:ln>
-        </p:spPr>
-        <p:style>
-          <a:lnRef idx="2">
-            <a:schemeClr val="accent2"/>
-          </a:lnRef>
-          <a:fillRef idx="1002">
-            <a:schemeClr val="dk2"/>
-          </a:fillRef>
-          <a:effectRef idx="0">
-            <a:schemeClr val="accent2"/>
-          </a:effectRef>
-          <a:fontRef idx="minor">
-            <a:schemeClr val="dk1"/>
-          </a:fontRef>
-        </p:style>
-        <p:txBody>
-          <a:bodyPr wrap="square" rtlCol="0" anchor="ctr">
-            <a:noAutofit/>
-          </a:bodyPr>
-          <a:lstStyle/>
-          <a:p>
-            <a:pPr algn="ctr"/>
-            <a:endParaRPr lang="en-US"/>
-          </a:p>
-        </p:txBody>
-      </p:sp>
-      <p:sp useBgFill="1">
-        <p:nvSpPr>
-          <p:cNvPr id="35" name="Snip Single Corner Rectangle 17">
-            <a:extLst>
-              <a:ext uri="{FF2B5EF4-FFF2-40B4-BE49-F238E27FC236}">
-                <a16:creationId xmlns:a16="http://schemas.microsoft.com/office/drawing/2014/main" id="{1FF88480-2CF1-4C54-8CE3-2CA9CD9FF896}"/>
-              </a:ext>
-              <a:ext uri="{C183D7F6-B498-43B3-948B-1728B52AA6E4}">
-                <adec:decorative xmlns:adec="http://schemas.microsoft.com/office/drawing/2017/decorative" val="1"/>
-              </a:ext>
-            </a:extLst>
-          </p:cNvPr>
-          <p:cNvSpPr>
-            <a:spLocks noGrp="1" noRot="1" noChangeAspect="1" noMove="1" noResize="1" noEditPoints="1" noAdjustHandles="1" noChangeArrowheads="1" noChangeShapeType="1" noTextEdit="1"/>
-          </p:cNvSpPr>
-          <p:nvPr>
-            <p:extLst>
-              <p:ext uri="{386F3935-93C4-4BCD-93E2-E3B085C9AB24}">
-                <p16:designElem xmlns:p16="http://schemas.microsoft.com/office/powerpoint/2015/main" val="1"/>
-              </p:ext>
-            </p:extLst>
-          </p:nvPr>
-        </p:nvSpPr>
-        <p:spPr>
-          <a:xfrm flipV="1">
-            <a:off x="0" y="1"/>
-            <a:ext cx="12188825" cy="6857999"/>
-          </a:xfrm>
-          <a:prstGeom prst="snip1Rect">
-            <a:avLst>
-              <a:gd name="adj" fmla="val 50000"/>
-            </a:avLst>
-          </a:prstGeom>
-          <a:ln>
-            <a:noFill/>
-          </a:ln>
-          <a:effectLst/>
-        </p:spPr>
-        <p:style>
-          <a:lnRef idx="2">
-            <a:schemeClr val="accent1">
-              <a:shade val="50000"/>
-            </a:schemeClr>
-          </a:lnRef>
-          <a:fillRef idx="1003">
-            <a:schemeClr val="dk2"/>
-          </a:fillRef>
-          <a:effectRef idx="0">
-            <a:schemeClr val="accent1"/>
-          </a:effectRef>
-          <a:fontRef idx="minor">
-            <a:schemeClr val="lt1"/>
-          </a:fontRef>
-        </p:style>
-        <p:txBody>
-          <a:bodyPr wrap="square" rtlCol="0" anchor="ctr">
-            <a:noAutofit/>
-          </a:bodyPr>
-          <a:lstStyle/>
-          <a:p>
-            <a:pPr algn="ctr"/>
-            <a:endParaRPr lang="en-US"/>
-          </a:p>
-        </p:txBody>
-      </p:sp>
-      <p:sp>
-        <p:nvSpPr>
-          <p:cNvPr id="6" name="TextBox 5">
-            <a:extLst>
-              <a:ext uri="{FF2B5EF4-FFF2-40B4-BE49-F238E27FC236}">
-                <a16:creationId xmlns:a16="http://schemas.microsoft.com/office/drawing/2014/main" id="{01B5766C-C242-4E8B-8662-041109CBB9EE}"/>
-              </a:ext>
-            </a:extLst>
-          </p:cNvPr>
-          <p:cNvSpPr txBox="1"/>
-          <p:nvPr/>
-        </p:nvSpPr>
-        <p:spPr>
-          <a:xfrm>
-            <a:off x="3175" y="0"/>
-            <a:ext cx="8534400" cy="1507067"/>
-          </a:xfrm>
-          <a:prstGeom prst="rect">
-            <a:avLst/>
-          </a:prstGeom>
-        </p:spPr>
-        <p:txBody>
-          <a:bodyPr vert="horz" lIns="91440" tIns="45720" rIns="91440" bIns="45720" rtlCol="0" anchor="ctr">
-            <a:normAutofit/>
-          </a:bodyPr>
-          <a:lstStyle/>
-          <a:p>
-            <a:pPr>
-              <a:spcBef>
-                <a:spcPct val="0"/>
-              </a:spcBef>
-              <a:spcAft>
-                <a:spcPts val="600"/>
-              </a:spcAft>
-            </a:pPr>
-            <a:r>
-              <a:rPr lang="en-US" sz="4000" b="1" cap="all" dirty="0">
-                <a:ln w="3175" cmpd="sng">
-                  <a:noFill/>
-                </a:ln>
-                <a:solidFill>
-                  <a:schemeClr val="tx2"/>
-                </a:solidFill>
-                <a:latin typeface="+mj-lt"/>
-                <a:ea typeface="+mj-ea"/>
-                <a:cs typeface="+mj-cs"/>
-              </a:rPr>
-              <a:t>Results</a:t>
-            </a:r>
-          </a:p>
-        </p:txBody>
-      </p:sp>
-      <p:sp>
-        <p:nvSpPr>
-          <p:cNvPr id="11" name="TextBox 6">
-            <a:extLst>
-              <a:ext uri="{FF2B5EF4-FFF2-40B4-BE49-F238E27FC236}">
-                <a16:creationId xmlns:a16="http://schemas.microsoft.com/office/drawing/2014/main" id="{150D360E-13BB-4340-A18F-9B75B8C3D6F6}"/>
-              </a:ext>
-            </a:extLst>
-          </p:cNvPr>
-          <p:cNvSpPr txBox="1"/>
-          <p:nvPr/>
-        </p:nvSpPr>
-        <p:spPr>
-          <a:xfrm>
-            <a:off x="384175" y="1923505"/>
-            <a:ext cx="3397250" cy="714619"/>
-          </a:xfrm>
-          <a:prstGeom prst="rect">
-            <a:avLst/>
-          </a:prstGeom>
-          <a:noFill/>
-        </p:spPr>
-        <p:txBody>
-          <a:bodyPr wrap="square" rtlCol="0">
-            <a:spAutoFit/>
-          </a:bodyPr>
-          <a:lstStyle/>
-          <a:p>
-            <a:pPr>
-              <a:lnSpc>
-                <a:spcPct val="200000"/>
-              </a:lnSpc>
-            </a:pPr>
-            <a:r>
-              <a:rPr lang="en-US" sz="2400" dirty="0"/>
-              <a:t>Original mesh</a:t>
-            </a:r>
-          </a:p>
-        </p:txBody>
-      </p:sp>
-      <p:sp>
-        <p:nvSpPr>
-          <p:cNvPr id="12" name="TextBox 3">
-            <a:extLst>
-              <a:ext uri="{FF2B5EF4-FFF2-40B4-BE49-F238E27FC236}">
-                <a16:creationId xmlns:a16="http://schemas.microsoft.com/office/drawing/2014/main" id="{67F7EEB1-F9DD-41CD-B4AC-6258A2CD90F9}"/>
-              </a:ext>
-            </a:extLst>
-          </p:cNvPr>
-          <p:cNvSpPr txBox="1"/>
-          <p:nvPr/>
-        </p:nvSpPr>
-        <p:spPr>
-          <a:xfrm>
-            <a:off x="5940839" y="1923504"/>
-            <a:ext cx="2097949" cy="714619"/>
-          </a:xfrm>
-          <a:prstGeom prst="rect">
-            <a:avLst/>
-          </a:prstGeom>
-          <a:noFill/>
-        </p:spPr>
-        <p:txBody>
-          <a:bodyPr wrap="square" rtlCol="0">
-            <a:spAutoFit/>
-          </a:bodyPr>
-          <a:lstStyle/>
-          <a:p>
-            <a:pPr>
-              <a:lnSpc>
-                <a:spcPct val="200000"/>
-              </a:lnSpc>
-            </a:pPr>
-            <a:r>
-              <a:rPr lang="en-US" sz="2400" dirty="0"/>
-              <a:t>Holder mesh</a:t>
-            </a:r>
-          </a:p>
-        </p:txBody>
-      </p:sp>
-      <p:pic>
-        <p:nvPicPr>
-          <p:cNvPr id="13" name="Picture 2">
-            <a:extLst>
-              <a:ext uri="{FF2B5EF4-FFF2-40B4-BE49-F238E27FC236}">
-                <a16:creationId xmlns:a16="http://schemas.microsoft.com/office/drawing/2014/main" id="{84310A7A-D0A9-46B5-942D-79602AE2E0C4}"/>
-              </a:ext>
-            </a:extLst>
-          </p:cNvPr>
-          <p:cNvPicPr>
-            <a:picLocks noChangeAspect="1"/>
-          </p:cNvPicPr>
-          <p:nvPr/>
-        </p:nvPicPr>
-        <p:blipFill>
-          <a:blip r:embed="rId2">
-            <a:clrChange>
-              <a:clrFrom>
-                <a:srgbClr val="FFFFFF"/>
-              </a:clrFrom>
-              <a:clrTo>
-                <a:srgbClr val="FFFFFF">
-                  <a:alpha val="0"/>
-                </a:srgbClr>
-              </a:clrTo>
-            </a:clrChange>
-            <a:extLst>
-              <a:ext uri="{28A0092B-C50C-407E-A947-70E740481C1C}">
-                <a14:useLocalDpi xmlns:a14="http://schemas.microsoft.com/office/drawing/2010/main" val="0"/>
-              </a:ext>
-            </a:extLst>
-          </a:blip>
-          <a:srcRect/>
-          <a:stretch/>
-        </p:blipFill>
-        <p:spPr>
-          <a:xfrm>
-            <a:off x="387350" y="3052796"/>
-            <a:ext cx="3816334" cy="2599402"/>
-          </a:xfrm>
-          <a:prstGeom prst="rect">
-            <a:avLst/>
-          </a:prstGeom>
-        </p:spPr>
-      </p:pic>
-      <p:pic>
-        <p:nvPicPr>
-          <p:cNvPr id="14" name="Picture 7">
-            <a:extLst>
-              <a:ext uri="{FF2B5EF4-FFF2-40B4-BE49-F238E27FC236}">
-                <a16:creationId xmlns:a16="http://schemas.microsoft.com/office/drawing/2014/main" id="{307F1116-2DFA-4988-9521-F39B71FA462E}"/>
-              </a:ext>
-            </a:extLst>
-          </p:cNvPr>
-          <p:cNvPicPr>
-            <a:picLocks noChangeAspect="1"/>
-          </p:cNvPicPr>
-          <p:nvPr/>
-        </p:nvPicPr>
-        <p:blipFill>
-          <a:blip r:embed="rId3">
-            <a:extLst>
-              <a:ext uri="{28A0092B-C50C-407E-A947-70E740481C1C}">
-                <a14:useLocalDpi xmlns:a14="http://schemas.microsoft.com/office/drawing/2010/main" val="0"/>
-              </a:ext>
-            </a:extLst>
-          </a:blip>
-          <a:srcRect/>
-          <a:stretch/>
-        </p:blipFill>
-        <p:spPr>
-          <a:xfrm>
-            <a:off x="4631652" y="2899589"/>
-            <a:ext cx="4716325" cy="2905817"/>
-          </a:xfrm>
-          <a:prstGeom prst="rect">
-            <a:avLst/>
-          </a:prstGeom>
-        </p:spPr>
-      </p:pic>
-    </p:spTree>
-    <p:extLst>
-      <p:ext uri="{BB962C8B-B14F-4D97-AF65-F5344CB8AC3E}">
-        <p14:creationId xmlns:p14="http://schemas.microsoft.com/office/powerpoint/2010/main" val="2649163146"/>
       </p:ext>
     </p:extLst>
   </p:cSld>

--- a/presentation/AutoConnect.pptx
+++ b/presentation/AutoConnect.pptx
@@ -5,7 +5,7 @@
     <p:sldMasterId id="2147483707" r:id="rId1"/>
   </p:sldMasterIdLst>
   <p:notesMasterIdLst>
-    <p:notesMasterId r:id="rId12"/>
+    <p:notesMasterId r:id="rId14"/>
   </p:notesMasterIdLst>
   <p:sldIdLst>
     <p:sldId id="256" r:id="rId2"/>
@@ -18,6 +18,8 @@
     <p:sldId id="271" r:id="rId9"/>
     <p:sldId id="272" r:id="rId10"/>
     <p:sldId id="273" r:id="rId11"/>
+    <p:sldId id="275" r:id="rId12"/>
+    <p:sldId id="276" r:id="rId13"/>
   </p:sldIdLst>
   <p:sldSz cx="12192000" cy="6858000"/>
   <p:notesSz cx="6858000" cy="9144000"/>
@@ -206,7 +208,7 @@
           <a:p>
             <a:fld id="{DF2E9389-33CD-46B5-B965-4831E8193557}" type="datetimeFigureOut">
               <a:rPr lang="he-IL" smtClean="0"/>
-              <a:t>ט'/שבט/תשפ"ב</a:t>
+              <a:t>י"א/שבט/תשפ"ב</a:t>
             </a:fld>
             <a:endParaRPr lang="he-IL"/>
           </a:p>
@@ -843,7 +845,7 @@
           <a:p>
             <a:fld id="{AD5ED07A-734A-433E-9D84-D275B4D7B0FB}" type="datetimeFigureOut">
               <a:rPr lang="en-IL" smtClean="0"/>
-              <a:t>01/11/2022</a:t>
+              <a:t>13/01/2022</a:t>
             </a:fld>
             <a:endParaRPr lang="en-IL"/>
           </a:p>
@@ -1279,7 +1281,7 @@
           <a:p>
             <a:fld id="{AD5ED07A-734A-433E-9D84-D275B4D7B0FB}" type="datetimeFigureOut">
               <a:rPr lang="en-IL" smtClean="0"/>
-              <a:t>01/11/2022</a:t>
+              <a:t>13/01/2022</a:t>
             </a:fld>
             <a:endParaRPr lang="en-IL"/>
           </a:p>
@@ -1529,7 +1531,7 @@
           <a:p>
             <a:fld id="{AD5ED07A-734A-433E-9D84-D275B4D7B0FB}" type="datetimeFigureOut">
               <a:rPr lang="en-IL" smtClean="0"/>
-              <a:t>01/11/2022</a:t>
+              <a:t>13/01/2022</a:t>
             </a:fld>
             <a:endParaRPr lang="en-IL"/>
           </a:p>
@@ -1837,7 +1839,7 @@
           <a:p>
             <a:fld id="{AD5ED07A-734A-433E-9D84-D275B4D7B0FB}" type="datetimeFigureOut">
               <a:rPr lang="en-IL" smtClean="0"/>
-              <a:t>01/11/2022</a:t>
+              <a:t>13/01/2022</a:t>
             </a:fld>
             <a:endParaRPr lang="en-IL"/>
           </a:p>
@@ -2155,7 +2157,7 @@
           <a:p>
             <a:fld id="{AD5ED07A-734A-433E-9D84-D275B4D7B0FB}" type="datetimeFigureOut">
               <a:rPr lang="en-IL" smtClean="0"/>
-              <a:t>01/11/2022</a:t>
+              <a:t>13/01/2022</a:t>
             </a:fld>
             <a:endParaRPr lang="en-IL"/>
           </a:p>
@@ -2457,7 +2459,7 @@
           <a:p>
             <a:fld id="{AD5ED07A-734A-433E-9D84-D275B4D7B0FB}" type="datetimeFigureOut">
               <a:rPr lang="en-IL" smtClean="0"/>
-              <a:t>01/11/2022</a:t>
+              <a:t>13/01/2022</a:t>
             </a:fld>
             <a:endParaRPr lang="en-IL"/>
           </a:p>
@@ -2824,7 +2826,7 @@
           <a:p>
             <a:fld id="{AD5ED07A-734A-433E-9D84-D275B4D7B0FB}" type="datetimeFigureOut">
               <a:rPr lang="en-IL" smtClean="0"/>
-              <a:t>01/11/2022</a:t>
+              <a:t>13/01/2022</a:t>
             </a:fld>
             <a:endParaRPr lang="en-IL"/>
           </a:p>
@@ -2998,7 +3000,7 @@
           <a:p>
             <a:fld id="{AD5ED07A-734A-433E-9D84-D275B4D7B0FB}" type="datetimeFigureOut">
               <a:rPr lang="en-IL" smtClean="0"/>
-              <a:t>01/11/2022</a:t>
+              <a:t>13/01/2022</a:t>
             </a:fld>
             <a:endParaRPr lang="en-IL"/>
           </a:p>
@@ -3178,7 +3180,7 @@
           <a:p>
             <a:fld id="{AD5ED07A-734A-433E-9D84-D275B4D7B0FB}" type="datetimeFigureOut">
               <a:rPr lang="en-IL" smtClean="0"/>
-              <a:t>01/11/2022</a:t>
+              <a:t>13/01/2022</a:t>
             </a:fld>
             <a:endParaRPr lang="en-IL"/>
           </a:p>
@@ -3348,7 +3350,7 @@
           <a:p>
             <a:fld id="{AD5ED07A-734A-433E-9D84-D275B4D7B0FB}" type="datetimeFigureOut">
               <a:rPr lang="en-IL" smtClean="0"/>
-              <a:t>01/11/2022</a:t>
+              <a:t>13/01/2022</a:t>
             </a:fld>
             <a:endParaRPr lang="en-IL"/>
           </a:p>
@@ -3598,7 +3600,7 @@
           <a:p>
             <a:fld id="{AD5ED07A-734A-433E-9D84-D275B4D7B0FB}" type="datetimeFigureOut">
               <a:rPr lang="en-IL" smtClean="0"/>
-              <a:t>01/11/2022</a:t>
+              <a:t>13/01/2022</a:t>
             </a:fld>
             <a:endParaRPr lang="en-IL"/>
           </a:p>
@@ -3834,7 +3836,7 @@
           <a:p>
             <a:fld id="{AD5ED07A-734A-433E-9D84-D275B4D7B0FB}" type="datetimeFigureOut">
               <a:rPr lang="en-IL" smtClean="0"/>
-              <a:t>01/11/2022</a:t>
+              <a:t>13/01/2022</a:t>
             </a:fld>
             <a:endParaRPr lang="en-IL"/>
           </a:p>
@@ -4216,7 +4218,7 @@
           <a:p>
             <a:fld id="{AD5ED07A-734A-433E-9D84-D275B4D7B0FB}" type="datetimeFigureOut">
               <a:rPr lang="en-IL" smtClean="0"/>
-              <a:t>01/11/2022</a:t>
+              <a:t>13/01/2022</a:t>
             </a:fld>
             <a:endParaRPr lang="en-IL"/>
           </a:p>
@@ -4334,7 +4336,7 @@
           <a:p>
             <a:fld id="{AD5ED07A-734A-433E-9D84-D275B4D7B0FB}" type="datetimeFigureOut">
               <a:rPr lang="en-IL" smtClean="0"/>
-              <a:t>01/11/2022</a:t>
+              <a:t>13/01/2022</a:t>
             </a:fld>
             <a:endParaRPr lang="en-IL"/>
           </a:p>
@@ -4429,7 +4431,7 @@
           <a:p>
             <a:fld id="{AD5ED07A-734A-433E-9D84-D275B4D7B0FB}" type="datetimeFigureOut">
               <a:rPr lang="en-IL" smtClean="0"/>
-              <a:t>01/11/2022</a:t>
+              <a:t>13/01/2022</a:t>
             </a:fld>
             <a:endParaRPr lang="en-IL"/>
           </a:p>
@@ -4684,7 +4686,7 @@
           <a:p>
             <a:fld id="{AD5ED07A-734A-433E-9D84-D275B4D7B0FB}" type="datetimeFigureOut">
               <a:rPr lang="en-IL" smtClean="0"/>
-              <a:t>01/11/2022</a:t>
+              <a:t>13/01/2022</a:t>
             </a:fld>
             <a:endParaRPr lang="en-IL"/>
           </a:p>
@@ -4967,7 +4969,7 @@
           <a:p>
             <a:fld id="{AD5ED07A-734A-433E-9D84-D275B4D7B0FB}" type="datetimeFigureOut">
               <a:rPr lang="en-IL" smtClean="0"/>
-              <a:t>01/11/2022</a:t>
+              <a:t>13/01/2022</a:t>
             </a:fld>
             <a:endParaRPr lang="en-IL"/>
           </a:p>
@@ -5373,7 +5375,7 @@
           <a:p>
             <a:fld id="{AD5ED07A-734A-433E-9D84-D275B4D7B0FB}" type="datetimeFigureOut">
               <a:rPr lang="en-IL" smtClean="0"/>
-              <a:t>01/11/2022</a:t>
+              <a:t>13/01/2022</a:t>
             </a:fld>
             <a:endParaRPr lang="en-IL"/>
           </a:p>
@@ -7102,6 +7104,1334 @@
 </p:sld>
 </file>
 
+<file path=ppt/slides/slide11.xml><?xml version="1.0" encoding="utf-8"?>
+<p:sld xmlns:a="http://schemas.openxmlformats.org/drawingml/2006/main" xmlns:r="http://schemas.openxmlformats.org/officeDocument/2006/relationships" xmlns:p="http://schemas.openxmlformats.org/presentationml/2006/main">
+  <p:cSld>
+    <p:bg>
+      <p:bgPr>
+        <a:gradFill rotWithShape="1">
+          <a:gsLst>
+            <a:gs pos="10000">
+              <a:schemeClr val="bg1">
+                <a:tint val="97000"/>
+                <a:hueMod val="92000"/>
+                <a:satMod val="169000"/>
+                <a:lumMod val="164000"/>
+              </a:schemeClr>
+            </a:gs>
+            <a:gs pos="100000">
+              <a:schemeClr val="bg1">
+                <a:shade val="96000"/>
+                <a:satMod val="120000"/>
+                <a:lumMod val="90000"/>
+              </a:schemeClr>
+            </a:gs>
+          </a:gsLst>
+          <a:lin ang="6120000" scaled="1"/>
+        </a:gradFill>
+        <a:effectLst/>
+      </p:bgPr>
+    </p:bg>
+    <p:spTree>
+      <p:nvGrpSpPr>
+        <p:cNvPr id="1" name=""/>
+        <p:cNvGrpSpPr/>
+        <p:nvPr/>
+      </p:nvGrpSpPr>
+      <p:grpSpPr>
+        <a:xfrm>
+          <a:off x="0" y="0"/>
+          <a:ext cx="0" cy="0"/>
+          <a:chOff x="0" y="0"/>
+          <a:chExt cx="0" cy="0"/>
+        </a:xfrm>
+      </p:grpSpPr>
+      <p:grpSp>
+        <p:nvGrpSpPr>
+          <p:cNvPr id="26" name="Group 25">
+            <a:extLst>
+              <a:ext uri="{FF2B5EF4-FFF2-40B4-BE49-F238E27FC236}">
+                <a16:creationId xmlns:a16="http://schemas.microsoft.com/office/drawing/2014/main" id="{6CC7770B-E4E1-42D6-9437-DAA4A3A9E659}"/>
+              </a:ext>
+              <a:ext uri="{C183D7F6-B498-43B3-948B-1728B52AA6E4}">
+                <adec:decorative xmlns:adec="http://schemas.microsoft.com/office/drawing/2017/decorative" val="1"/>
+              </a:ext>
+            </a:extLst>
+          </p:cNvPr>
+          <p:cNvGrpSpPr>
+            <a:grpSpLocks noGrp="1" noUngrp="1" noRot="1" noChangeAspect="1" noMove="1" noResize="1"/>
+          </p:cNvGrpSpPr>
+          <p:nvPr>
+            <p:extLst>
+              <p:ext uri="{386F3935-93C4-4BCD-93E2-E3B085C9AB24}">
+                <p16:designElem xmlns:p16="http://schemas.microsoft.com/office/powerpoint/2015/main" val="1"/>
+              </p:ext>
+            </p:extLst>
+          </p:nvPr>
+        </p:nvGrpSpPr>
+        <p:grpSpPr>
+          <a:xfrm>
+            <a:off x="9206969" y="2963333"/>
+            <a:ext cx="2981858" cy="3208867"/>
+            <a:chOff x="9206969" y="2963333"/>
+            <a:chExt cx="2981858" cy="3208867"/>
+          </a:xfrm>
+        </p:grpSpPr>
+        <p:cxnSp>
+          <p:nvCxnSpPr>
+            <p:cNvPr id="27" name="Straight Connector 26">
+              <a:extLst>
+                <a:ext uri="{FF2B5EF4-FFF2-40B4-BE49-F238E27FC236}">
+                  <a16:creationId xmlns:a16="http://schemas.microsoft.com/office/drawing/2014/main" id="{5A26DE5B-A1A6-4746-8EF7-4D6809ED75EE}"/>
+                </a:ext>
+                <a:ext uri="{C183D7F6-B498-43B3-948B-1728B52AA6E4}">
+                  <adec:decorative xmlns:adec="http://schemas.microsoft.com/office/drawing/2017/decorative" val="1"/>
+                </a:ext>
+              </a:extLst>
+            </p:cNvPr>
+            <p:cNvCxnSpPr/>
+            <p:nvPr>
+              <p:extLst>
+                <p:ext uri="{386F3935-93C4-4BCD-93E2-E3B085C9AB24}">
+                  <p16:designElem xmlns:p16="http://schemas.microsoft.com/office/powerpoint/2015/main" val="1"/>
+                </p:ext>
+              </p:extLst>
+            </p:nvPr>
+          </p:nvCxnSpPr>
+          <p:spPr>
+            <a:xfrm flipH="1">
+              <a:off x="11276012" y="2963333"/>
+              <a:ext cx="912814" cy="912812"/>
+            </a:xfrm>
+            <a:prstGeom prst="line">
+              <a:avLst/>
+            </a:prstGeom>
+            <a:ln w="9525">
+              <a:solidFill>
+                <a:schemeClr val="tx1"/>
+              </a:solidFill>
+            </a:ln>
+          </p:spPr>
+          <p:style>
+            <a:lnRef idx="2">
+              <a:schemeClr val="accent1"/>
+            </a:lnRef>
+            <a:fillRef idx="0">
+              <a:schemeClr val="accent1"/>
+            </a:fillRef>
+            <a:effectRef idx="1">
+              <a:schemeClr val="accent1"/>
+            </a:effectRef>
+            <a:fontRef idx="minor">
+              <a:schemeClr val="tx1"/>
+            </a:fontRef>
+          </p:style>
+        </p:cxnSp>
+        <p:cxnSp>
+          <p:nvCxnSpPr>
+            <p:cNvPr id="28" name="Straight Connector 27">
+              <a:extLst>
+                <a:ext uri="{FF2B5EF4-FFF2-40B4-BE49-F238E27FC236}">
+                  <a16:creationId xmlns:a16="http://schemas.microsoft.com/office/drawing/2014/main" id="{377A3DDA-BF17-4302-867E-EBFD777B0627}"/>
+                </a:ext>
+                <a:ext uri="{C183D7F6-B498-43B3-948B-1728B52AA6E4}">
+                  <adec:decorative xmlns:adec="http://schemas.microsoft.com/office/drawing/2017/decorative" val="1"/>
+                </a:ext>
+              </a:extLst>
+            </p:cNvPr>
+            <p:cNvCxnSpPr/>
+            <p:nvPr>
+              <p:extLst>
+                <p:ext uri="{386F3935-93C4-4BCD-93E2-E3B085C9AB24}">
+                  <p16:designElem xmlns:p16="http://schemas.microsoft.com/office/powerpoint/2015/main" val="1"/>
+                </p:ext>
+              </p:extLst>
+            </p:nvPr>
+          </p:nvCxnSpPr>
+          <p:spPr>
+            <a:xfrm flipH="1">
+              <a:off x="9206969" y="3190344"/>
+              <a:ext cx="2981857" cy="2981856"/>
+            </a:xfrm>
+            <a:prstGeom prst="line">
+              <a:avLst/>
+            </a:prstGeom>
+            <a:ln w="9525">
+              <a:solidFill>
+                <a:schemeClr val="tx1"/>
+              </a:solidFill>
+            </a:ln>
+          </p:spPr>
+          <p:style>
+            <a:lnRef idx="2">
+              <a:schemeClr val="accent1"/>
+            </a:lnRef>
+            <a:fillRef idx="0">
+              <a:schemeClr val="accent1"/>
+            </a:fillRef>
+            <a:effectRef idx="1">
+              <a:schemeClr val="accent1"/>
+            </a:effectRef>
+            <a:fontRef idx="minor">
+              <a:schemeClr val="tx1"/>
+            </a:fontRef>
+          </p:style>
+        </p:cxnSp>
+        <p:cxnSp>
+          <p:nvCxnSpPr>
+            <p:cNvPr id="29" name="Straight Connector 28">
+              <a:extLst>
+                <a:ext uri="{FF2B5EF4-FFF2-40B4-BE49-F238E27FC236}">
+                  <a16:creationId xmlns:a16="http://schemas.microsoft.com/office/drawing/2014/main" id="{CBE30704-4227-4B7B-BDB8-BFCF39086FA4}"/>
+                </a:ext>
+                <a:ext uri="{C183D7F6-B498-43B3-948B-1728B52AA6E4}">
+                  <adec:decorative xmlns:adec="http://schemas.microsoft.com/office/drawing/2017/decorative" val="1"/>
+                </a:ext>
+              </a:extLst>
+            </p:cNvPr>
+            <p:cNvCxnSpPr/>
+            <p:nvPr>
+              <p:extLst>
+                <p:ext uri="{386F3935-93C4-4BCD-93E2-E3B085C9AB24}">
+                  <p16:designElem xmlns:p16="http://schemas.microsoft.com/office/powerpoint/2015/main" val="1"/>
+                </p:ext>
+              </p:extLst>
+            </p:nvPr>
+          </p:nvCxnSpPr>
+          <p:spPr>
+            <a:xfrm flipH="1">
+              <a:off x="10292292" y="3285067"/>
+              <a:ext cx="1896534" cy="1896533"/>
+            </a:xfrm>
+            <a:prstGeom prst="line">
+              <a:avLst/>
+            </a:prstGeom>
+            <a:ln w="9525">
+              <a:solidFill>
+                <a:schemeClr val="tx1"/>
+              </a:solidFill>
+            </a:ln>
+          </p:spPr>
+          <p:style>
+            <a:lnRef idx="2">
+              <a:schemeClr val="accent1"/>
+            </a:lnRef>
+            <a:fillRef idx="0">
+              <a:schemeClr val="accent1"/>
+            </a:fillRef>
+            <a:effectRef idx="1">
+              <a:schemeClr val="accent1"/>
+            </a:effectRef>
+            <a:fontRef idx="minor">
+              <a:schemeClr val="tx1"/>
+            </a:fontRef>
+          </p:style>
+        </p:cxnSp>
+        <p:cxnSp>
+          <p:nvCxnSpPr>
+            <p:cNvPr id="30" name="Straight Connector 29">
+              <a:extLst>
+                <a:ext uri="{FF2B5EF4-FFF2-40B4-BE49-F238E27FC236}">
+                  <a16:creationId xmlns:a16="http://schemas.microsoft.com/office/drawing/2014/main" id="{B923B1E7-AEA4-42D8-8F4A-9D116F29665C}"/>
+                </a:ext>
+                <a:ext uri="{C183D7F6-B498-43B3-948B-1728B52AA6E4}">
+                  <adec:decorative xmlns:adec="http://schemas.microsoft.com/office/drawing/2017/decorative" val="1"/>
+                </a:ext>
+              </a:extLst>
+            </p:cNvPr>
+            <p:cNvCxnSpPr/>
+            <p:nvPr>
+              <p:extLst>
+                <p:ext uri="{386F3935-93C4-4BCD-93E2-E3B085C9AB24}">
+                  <p16:designElem xmlns:p16="http://schemas.microsoft.com/office/powerpoint/2015/main" val="1"/>
+                </p:ext>
+              </p:extLst>
+            </p:nvPr>
+          </p:nvCxnSpPr>
+          <p:spPr>
+            <a:xfrm flipH="1">
+              <a:off x="10443103" y="3131080"/>
+              <a:ext cx="1745722" cy="1745720"/>
+            </a:xfrm>
+            <a:prstGeom prst="line">
+              <a:avLst/>
+            </a:prstGeom>
+            <a:ln w="28575">
+              <a:solidFill>
+                <a:schemeClr val="tx1"/>
+              </a:solidFill>
+            </a:ln>
+          </p:spPr>
+          <p:style>
+            <a:lnRef idx="2">
+              <a:schemeClr val="accent1"/>
+            </a:lnRef>
+            <a:fillRef idx="0">
+              <a:schemeClr val="accent1"/>
+            </a:fillRef>
+            <a:effectRef idx="1">
+              <a:schemeClr val="accent1"/>
+            </a:effectRef>
+            <a:fontRef idx="minor">
+              <a:schemeClr val="tx1"/>
+            </a:fontRef>
+          </p:style>
+        </p:cxnSp>
+        <p:cxnSp>
+          <p:nvCxnSpPr>
+            <p:cNvPr id="31" name="Straight Connector 30">
+              <a:extLst>
+                <a:ext uri="{FF2B5EF4-FFF2-40B4-BE49-F238E27FC236}">
+                  <a16:creationId xmlns:a16="http://schemas.microsoft.com/office/drawing/2014/main" id="{321B6244-6EAE-442C-ACCF-8146103EC1D5}"/>
+                </a:ext>
+                <a:ext uri="{C183D7F6-B498-43B3-948B-1728B52AA6E4}">
+                  <adec:decorative xmlns:adec="http://schemas.microsoft.com/office/drawing/2017/decorative" val="1"/>
+                </a:ext>
+              </a:extLst>
+            </p:cNvPr>
+            <p:cNvCxnSpPr/>
+            <p:nvPr>
+              <p:extLst>
+                <p:ext uri="{386F3935-93C4-4BCD-93E2-E3B085C9AB24}">
+                  <p16:designElem xmlns:p16="http://schemas.microsoft.com/office/powerpoint/2015/main" val="1"/>
+                </p:ext>
+              </p:extLst>
+            </p:nvPr>
+          </p:nvCxnSpPr>
+          <p:spPr>
+            <a:xfrm flipH="1">
+              <a:off x="10918826" y="3683001"/>
+              <a:ext cx="1270001" cy="1269999"/>
+            </a:xfrm>
+            <a:prstGeom prst="line">
+              <a:avLst/>
+            </a:prstGeom>
+            <a:ln w="28575">
+              <a:solidFill>
+                <a:schemeClr val="tx1"/>
+              </a:solidFill>
+            </a:ln>
+          </p:spPr>
+          <p:style>
+            <a:lnRef idx="2">
+              <a:schemeClr val="accent1"/>
+            </a:lnRef>
+            <a:fillRef idx="0">
+              <a:schemeClr val="accent1"/>
+            </a:fillRef>
+            <a:effectRef idx="1">
+              <a:schemeClr val="accent1"/>
+            </a:effectRef>
+            <a:fontRef idx="minor">
+              <a:schemeClr val="tx1"/>
+            </a:fontRef>
+          </p:style>
+        </p:cxnSp>
+      </p:grpSp>
+      <p:sp>
+        <p:nvSpPr>
+          <p:cNvPr id="33" name="Snip Diagonal Corner Rectangle 6">
+            <a:extLst>
+              <a:ext uri="{FF2B5EF4-FFF2-40B4-BE49-F238E27FC236}">
+                <a16:creationId xmlns:a16="http://schemas.microsoft.com/office/drawing/2014/main" id="{AD2D45C7-2E37-44FD-AC77-116CD14B9ED9}"/>
+              </a:ext>
+              <a:ext uri="{C183D7F6-B498-43B3-948B-1728B52AA6E4}">
+                <adec:decorative xmlns:adec="http://schemas.microsoft.com/office/drawing/2017/decorative" val="1"/>
+              </a:ext>
+            </a:extLst>
+          </p:cNvPr>
+          <p:cNvSpPr>
+            <a:spLocks noGrp="1" noRot="1" noChangeAspect="1" noMove="1" noResize="1" noEditPoints="1" noAdjustHandles="1" noChangeArrowheads="1" noChangeShapeType="1" noTextEdit="1"/>
+          </p:cNvSpPr>
+          <p:nvPr>
+            <p:extLst>
+              <p:ext uri="{386F3935-93C4-4BCD-93E2-E3B085C9AB24}">
+                <p16:designElem xmlns:p16="http://schemas.microsoft.com/office/powerpoint/2015/main" val="1"/>
+              </p:ext>
+            </p:extLst>
+          </p:nvPr>
+        </p:nvSpPr>
+        <p:spPr>
+          <a:xfrm flipH="1">
+            <a:off x="925" y="2"/>
+            <a:ext cx="12191075" cy="6857998"/>
+          </a:xfrm>
+          <a:prstGeom prst="rect">
+            <a:avLst/>
+          </a:prstGeom>
+          <a:ln>
+            <a:noFill/>
+          </a:ln>
+        </p:spPr>
+        <p:style>
+          <a:lnRef idx="2">
+            <a:schemeClr val="accent2"/>
+          </a:lnRef>
+          <a:fillRef idx="1002">
+            <a:schemeClr val="dk2"/>
+          </a:fillRef>
+          <a:effectRef idx="0">
+            <a:schemeClr val="accent2"/>
+          </a:effectRef>
+          <a:fontRef idx="minor">
+            <a:schemeClr val="dk1"/>
+          </a:fontRef>
+        </p:style>
+        <p:txBody>
+          <a:bodyPr wrap="square" rtlCol="0" anchor="ctr">
+            <a:noAutofit/>
+          </a:bodyPr>
+          <a:lstStyle/>
+          <a:p>
+            <a:pPr algn="ctr"/>
+            <a:endParaRPr lang="en-US"/>
+          </a:p>
+        </p:txBody>
+      </p:sp>
+      <p:sp useBgFill="1">
+        <p:nvSpPr>
+          <p:cNvPr id="35" name="Snip Single Corner Rectangle 17">
+            <a:extLst>
+              <a:ext uri="{FF2B5EF4-FFF2-40B4-BE49-F238E27FC236}">
+                <a16:creationId xmlns:a16="http://schemas.microsoft.com/office/drawing/2014/main" id="{1FF88480-2CF1-4C54-8CE3-2CA9CD9FF896}"/>
+              </a:ext>
+              <a:ext uri="{C183D7F6-B498-43B3-948B-1728B52AA6E4}">
+                <adec:decorative xmlns:adec="http://schemas.microsoft.com/office/drawing/2017/decorative" val="1"/>
+              </a:ext>
+            </a:extLst>
+          </p:cNvPr>
+          <p:cNvSpPr>
+            <a:spLocks noGrp="1" noRot="1" noChangeAspect="1" noMove="1" noResize="1" noEditPoints="1" noAdjustHandles="1" noChangeArrowheads="1" noChangeShapeType="1" noTextEdit="1"/>
+          </p:cNvSpPr>
+          <p:nvPr>
+            <p:extLst>
+              <p:ext uri="{386F3935-93C4-4BCD-93E2-E3B085C9AB24}">
+                <p16:designElem xmlns:p16="http://schemas.microsoft.com/office/powerpoint/2015/main" val="1"/>
+              </p:ext>
+            </p:extLst>
+          </p:nvPr>
+        </p:nvSpPr>
+        <p:spPr>
+          <a:xfrm flipV="1">
+            <a:off x="0" y="1"/>
+            <a:ext cx="12188825" cy="6857999"/>
+          </a:xfrm>
+          <a:prstGeom prst="snip1Rect">
+            <a:avLst>
+              <a:gd name="adj" fmla="val 50000"/>
+            </a:avLst>
+          </a:prstGeom>
+          <a:ln>
+            <a:noFill/>
+          </a:ln>
+          <a:effectLst/>
+        </p:spPr>
+        <p:style>
+          <a:lnRef idx="2">
+            <a:schemeClr val="accent1">
+              <a:shade val="50000"/>
+            </a:schemeClr>
+          </a:lnRef>
+          <a:fillRef idx="1003">
+            <a:schemeClr val="dk2"/>
+          </a:fillRef>
+          <a:effectRef idx="0">
+            <a:schemeClr val="accent1"/>
+          </a:effectRef>
+          <a:fontRef idx="minor">
+            <a:schemeClr val="lt1"/>
+          </a:fontRef>
+        </p:style>
+        <p:txBody>
+          <a:bodyPr wrap="square" rtlCol="0" anchor="ctr">
+            <a:noAutofit/>
+          </a:bodyPr>
+          <a:lstStyle/>
+          <a:p>
+            <a:pPr algn="ctr"/>
+            <a:endParaRPr lang="en-US"/>
+          </a:p>
+        </p:txBody>
+      </p:sp>
+      <p:sp>
+        <p:nvSpPr>
+          <p:cNvPr id="6" name="TextBox 5">
+            <a:extLst>
+              <a:ext uri="{FF2B5EF4-FFF2-40B4-BE49-F238E27FC236}">
+                <a16:creationId xmlns:a16="http://schemas.microsoft.com/office/drawing/2014/main" id="{01B5766C-C242-4E8B-8662-041109CBB9EE}"/>
+              </a:ext>
+            </a:extLst>
+          </p:cNvPr>
+          <p:cNvSpPr txBox="1"/>
+          <p:nvPr/>
+        </p:nvSpPr>
+        <p:spPr>
+          <a:xfrm>
+            <a:off x="3175" y="0"/>
+            <a:ext cx="8534400" cy="1507067"/>
+          </a:xfrm>
+          <a:prstGeom prst="rect">
+            <a:avLst/>
+          </a:prstGeom>
+        </p:spPr>
+        <p:txBody>
+          <a:bodyPr vert="horz" lIns="91440" tIns="45720" rIns="91440" bIns="45720" rtlCol="0" anchor="ctr">
+            <a:normAutofit/>
+          </a:bodyPr>
+          <a:lstStyle/>
+          <a:p>
+            <a:pPr>
+              <a:spcBef>
+                <a:spcPct val="0"/>
+              </a:spcBef>
+              <a:spcAft>
+                <a:spcPts val="600"/>
+              </a:spcAft>
+            </a:pPr>
+            <a:r>
+              <a:rPr lang="en-US" sz="4000" b="1" cap="all" dirty="0">
+                <a:ln w="3175" cmpd="sng">
+                  <a:noFill/>
+                </a:ln>
+                <a:solidFill>
+                  <a:schemeClr val="tx2"/>
+                </a:solidFill>
+                <a:latin typeface="+mj-lt"/>
+                <a:ea typeface="+mj-ea"/>
+                <a:cs typeface="+mj-cs"/>
+              </a:rPr>
+              <a:t>Results</a:t>
+            </a:r>
+          </a:p>
+        </p:txBody>
+      </p:sp>
+      <p:sp>
+        <p:nvSpPr>
+          <p:cNvPr id="11" name="TextBox 6">
+            <a:extLst>
+              <a:ext uri="{FF2B5EF4-FFF2-40B4-BE49-F238E27FC236}">
+                <a16:creationId xmlns:a16="http://schemas.microsoft.com/office/drawing/2014/main" id="{150D360E-13BB-4340-A18F-9B75B8C3D6F6}"/>
+              </a:ext>
+            </a:extLst>
+          </p:cNvPr>
+          <p:cNvSpPr txBox="1"/>
+          <p:nvPr/>
+        </p:nvSpPr>
+        <p:spPr>
+          <a:xfrm>
+            <a:off x="384175" y="1923505"/>
+            <a:ext cx="3397250" cy="714619"/>
+          </a:xfrm>
+          <a:prstGeom prst="rect">
+            <a:avLst/>
+          </a:prstGeom>
+          <a:noFill/>
+        </p:spPr>
+        <p:txBody>
+          <a:bodyPr wrap="square" rtlCol="0">
+            <a:spAutoFit/>
+          </a:bodyPr>
+          <a:lstStyle/>
+          <a:p>
+            <a:pPr>
+              <a:lnSpc>
+                <a:spcPct val="200000"/>
+              </a:lnSpc>
+            </a:pPr>
+            <a:r>
+              <a:rPr lang="en-US" sz="2400" dirty="0"/>
+              <a:t>Original mesh</a:t>
+            </a:r>
+          </a:p>
+        </p:txBody>
+      </p:sp>
+      <p:sp>
+        <p:nvSpPr>
+          <p:cNvPr id="12" name="TextBox 3">
+            <a:extLst>
+              <a:ext uri="{FF2B5EF4-FFF2-40B4-BE49-F238E27FC236}">
+                <a16:creationId xmlns:a16="http://schemas.microsoft.com/office/drawing/2014/main" id="{67F7EEB1-F9DD-41CD-B4AC-6258A2CD90F9}"/>
+              </a:ext>
+            </a:extLst>
+          </p:cNvPr>
+          <p:cNvSpPr txBox="1"/>
+          <p:nvPr/>
+        </p:nvSpPr>
+        <p:spPr>
+          <a:xfrm>
+            <a:off x="5940839" y="1923504"/>
+            <a:ext cx="2097949" cy="714619"/>
+          </a:xfrm>
+          <a:prstGeom prst="rect">
+            <a:avLst/>
+          </a:prstGeom>
+          <a:noFill/>
+        </p:spPr>
+        <p:txBody>
+          <a:bodyPr wrap="square" rtlCol="0">
+            <a:spAutoFit/>
+          </a:bodyPr>
+          <a:lstStyle/>
+          <a:p>
+            <a:pPr>
+              <a:lnSpc>
+                <a:spcPct val="200000"/>
+              </a:lnSpc>
+            </a:pPr>
+            <a:r>
+              <a:rPr lang="en-US" sz="2400" dirty="0"/>
+              <a:t>Holder mesh</a:t>
+            </a:r>
+          </a:p>
+        </p:txBody>
+      </p:sp>
+      <p:pic>
+        <p:nvPicPr>
+          <p:cNvPr id="13" name="Picture 2">
+            <a:extLst>
+              <a:ext uri="{FF2B5EF4-FFF2-40B4-BE49-F238E27FC236}">
+                <a16:creationId xmlns:a16="http://schemas.microsoft.com/office/drawing/2014/main" id="{84310A7A-D0A9-46B5-942D-79602AE2E0C4}"/>
+              </a:ext>
+            </a:extLst>
+          </p:cNvPr>
+          <p:cNvPicPr>
+            <a:picLocks noChangeAspect="1"/>
+          </p:cNvPicPr>
+          <p:nvPr/>
+        </p:nvPicPr>
+        <p:blipFill>
+          <a:blip r:embed="rId2">
+            <a:extLst>
+              <a:ext uri="{28A0092B-C50C-407E-A947-70E740481C1C}">
+                <a14:useLocalDpi xmlns:a14="http://schemas.microsoft.com/office/drawing/2010/main" val="0"/>
+              </a:ext>
+            </a:extLst>
+          </a:blip>
+          <a:srcRect/>
+          <a:stretch/>
+        </p:blipFill>
+        <p:spPr>
+          <a:xfrm>
+            <a:off x="336899" y="2899589"/>
+            <a:ext cx="3604915" cy="2905817"/>
+          </a:xfrm>
+          <a:prstGeom prst="rect">
+            <a:avLst/>
+          </a:prstGeom>
+        </p:spPr>
+      </p:pic>
+      <p:pic>
+        <p:nvPicPr>
+          <p:cNvPr id="14" name="Picture 7">
+            <a:extLst>
+              <a:ext uri="{FF2B5EF4-FFF2-40B4-BE49-F238E27FC236}">
+                <a16:creationId xmlns:a16="http://schemas.microsoft.com/office/drawing/2014/main" id="{307F1116-2DFA-4988-9521-F39B71FA462E}"/>
+              </a:ext>
+            </a:extLst>
+          </p:cNvPr>
+          <p:cNvPicPr>
+            <a:picLocks noChangeAspect="1"/>
+          </p:cNvPicPr>
+          <p:nvPr/>
+        </p:nvPicPr>
+        <p:blipFill>
+          <a:blip r:embed="rId3">
+            <a:extLst>
+              <a:ext uri="{28A0092B-C50C-407E-A947-70E740481C1C}">
+                <a14:useLocalDpi xmlns:a14="http://schemas.microsoft.com/office/drawing/2010/main" val="0"/>
+              </a:ext>
+            </a:extLst>
+          </a:blip>
+          <a:srcRect/>
+          <a:stretch/>
+        </p:blipFill>
+        <p:spPr>
+          <a:xfrm>
+            <a:off x="5225830" y="2899589"/>
+            <a:ext cx="3527969" cy="2905817"/>
+          </a:xfrm>
+          <a:prstGeom prst="rect">
+            <a:avLst/>
+          </a:prstGeom>
+        </p:spPr>
+      </p:pic>
+    </p:spTree>
+    <p:extLst>
+      <p:ext uri="{BB962C8B-B14F-4D97-AF65-F5344CB8AC3E}">
+        <p14:creationId xmlns:p14="http://schemas.microsoft.com/office/powerpoint/2010/main" val="235495918"/>
+      </p:ext>
+    </p:extLst>
+  </p:cSld>
+  <p:clrMapOvr>
+    <a:overrideClrMapping bg1="lt1" tx1="dk1" bg2="lt2" tx2="dk2" accent1="accent1" accent2="accent2" accent3="accent3" accent4="accent4" accent5="accent5" accent6="accent6" hlink="hlink" folHlink="folHlink"/>
+  </p:clrMapOvr>
+</p:sld>
+</file>
+
+<file path=ppt/slides/slide12.xml><?xml version="1.0" encoding="utf-8"?>
+<p:sld xmlns:a="http://schemas.openxmlformats.org/drawingml/2006/main" xmlns:r="http://schemas.openxmlformats.org/officeDocument/2006/relationships" xmlns:p="http://schemas.openxmlformats.org/presentationml/2006/main">
+  <p:cSld>
+    <p:bg>
+      <p:bgPr>
+        <a:gradFill rotWithShape="1">
+          <a:gsLst>
+            <a:gs pos="10000">
+              <a:schemeClr val="bg1">
+                <a:tint val="97000"/>
+                <a:hueMod val="92000"/>
+                <a:satMod val="169000"/>
+                <a:lumMod val="164000"/>
+              </a:schemeClr>
+            </a:gs>
+            <a:gs pos="100000">
+              <a:schemeClr val="bg1">
+                <a:shade val="96000"/>
+                <a:satMod val="120000"/>
+                <a:lumMod val="90000"/>
+              </a:schemeClr>
+            </a:gs>
+          </a:gsLst>
+          <a:lin ang="6120000" scaled="1"/>
+        </a:gradFill>
+        <a:effectLst/>
+      </p:bgPr>
+    </p:bg>
+    <p:spTree>
+      <p:nvGrpSpPr>
+        <p:cNvPr id="1" name=""/>
+        <p:cNvGrpSpPr/>
+        <p:nvPr/>
+      </p:nvGrpSpPr>
+      <p:grpSpPr>
+        <a:xfrm>
+          <a:off x="0" y="0"/>
+          <a:ext cx="0" cy="0"/>
+          <a:chOff x="0" y="0"/>
+          <a:chExt cx="0" cy="0"/>
+        </a:xfrm>
+      </p:grpSpPr>
+      <p:grpSp>
+        <p:nvGrpSpPr>
+          <p:cNvPr id="26" name="Group 25">
+            <a:extLst>
+              <a:ext uri="{FF2B5EF4-FFF2-40B4-BE49-F238E27FC236}">
+                <a16:creationId xmlns:a16="http://schemas.microsoft.com/office/drawing/2014/main" id="{6CC7770B-E4E1-42D6-9437-DAA4A3A9E659}"/>
+              </a:ext>
+              <a:ext uri="{C183D7F6-B498-43B3-948B-1728B52AA6E4}">
+                <adec:decorative xmlns:adec="http://schemas.microsoft.com/office/drawing/2017/decorative" val="1"/>
+              </a:ext>
+            </a:extLst>
+          </p:cNvPr>
+          <p:cNvGrpSpPr>
+            <a:grpSpLocks noGrp="1" noUngrp="1" noRot="1" noChangeAspect="1" noMove="1" noResize="1"/>
+          </p:cNvGrpSpPr>
+          <p:nvPr>
+            <p:extLst>
+              <p:ext uri="{386F3935-93C4-4BCD-93E2-E3B085C9AB24}">
+                <p16:designElem xmlns:p16="http://schemas.microsoft.com/office/powerpoint/2015/main" val="1"/>
+              </p:ext>
+            </p:extLst>
+          </p:nvPr>
+        </p:nvGrpSpPr>
+        <p:grpSpPr>
+          <a:xfrm>
+            <a:off x="9206969" y="2963333"/>
+            <a:ext cx="2981858" cy="3208867"/>
+            <a:chOff x="9206969" y="2963333"/>
+            <a:chExt cx="2981858" cy="3208867"/>
+          </a:xfrm>
+        </p:grpSpPr>
+        <p:cxnSp>
+          <p:nvCxnSpPr>
+            <p:cNvPr id="27" name="Straight Connector 26">
+              <a:extLst>
+                <a:ext uri="{FF2B5EF4-FFF2-40B4-BE49-F238E27FC236}">
+                  <a16:creationId xmlns:a16="http://schemas.microsoft.com/office/drawing/2014/main" id="{5A26DE5B-A1A6-4746-8EF7-4D6809ED75EE}"/>
+                </a:ext>
+                <a:ext uri="{C183D7F6-B498-43B3-948B-1728B52AA6E4}">
+                  <adec:decorative xmlns:adec="http://schemas.microsoft.com/office/drawing/2017/decorative" val="1"/>
+                </a:ext>
+              </a:extLst>
+            </p:cNvPr>
+            <p:cNvCxnSpPr/>
+            <p:nvPr>
+              <p:extLst>
+                <p:ext uri="{386F3935-93C4-4BCD-93E2-E3B085C9AB24}">
+                  <p16:designElem xmlns:p16="http://schemas.microsoft.com/office/powerpoint/2015/main" val="1"/>
+                </p:ext>
+              </p:extLst>
+            </p:nvPr>
+          </p:nvCxnSpPr>
+          <p:spPr>
+            <a:xfrm flipH="1">
+              <a:off x="11276012" y="2963333"/>
+              <a:ext cx="912814" cy="912812"/>
+            </a:xfrm>
+            <a:prstGeom prst="line">
+              <a:avLst/>
+            </a:prstGeom>
+            <a:ln w="9525">
+              <a:solidFill>
+                <a:schemeClr val="tx1"/>
+              </a:solidFill>
+            </a:ln>
+          </p:spPr>
+          <p:style>
+            <a:lnRef idx="2">
+              <a:schemeClr val="accent1"/>
+            </a:lnRef>
+            <a:fillRef idx="0">
+              <a:schemeClr val="accent1"/>
+            </a:fillRef>
+            <a:effectRef idx="1">
+              <a:schemeClr val="accent1"/>
+            </a:effectRef>
+            <a:fontRef idx="minor">
+              <a:schemeClr val="tx1"/>
+            </a:fontRef>
+          </p:style>
+        </p:cxnSp>
+        <p:cxnSp>
+          <p:nvCxnSpPr>
+            <p:cNvPr id="28" name="Straight Connector 27">
+              <a:extLst>
+                <a:ext uri="{FF2B5EF4-FFF2-40B4-BE49-F238E27FC236}">
+                  <a16:creationId xmlns:a16="http://schemas.microsoft.com/office/drawing/2014/main" id="{377A3DDA-BF17-4302-867E-EBFD777B0627}"/>
+                </a:ext>
+                <a:ext uri="{C183D7F6-B498-43B3-948B-1728B52AA6E4}">
+                  <adec:decorative xmlns:adec="http://schemas.microsoft.com/office/drawing/2017/decorative" val="1"/>
+                </a:ext>
+              </a:extLst>
+            </p:cNvPr>
+            <p:cNvCxnSpPr/>
+            <p:nvPr>
+              <p:extLst>
+                <p:ext uri="{386F3935-93C4-4BCD-93E2-E3B085C9AB24}">
+                  <p16:designElem xmlns:p16="http://schemas.microsoft.com/office/powerpoint/2015/main" val="1"/>
+                </p:ext>
+              </p:extLst>
+            </p:nvPr>
+          </p:nvCxnSpPr>
+          <p:spPr>
+            <a:xfrm flipH="1">
+              <a:off x="9206969" y="3190344"/>
+              <a:ext cx="2981857" cy="2981856"/>
+            </a:xfrm>
+            <a:prstGeom prst="line">
+              <a:avLst/>
+            </a:prstGeom>
+            <a:ln w="9525">
+              <a:solidFill>
+                <a:schemeClr val="tx1"/>
+              </a:solidFill>
+            </a:ln>
+          </p:spPr>
+          <p:style>
+            <a:lnRef idx="2">
+              <a:schemeClr val="accent1"/>
+            </a:lnRef>
+            <a:fillRef idx="0">
+              <a:schemeClr val="accent1"/>
+            </a:fillRef>
+            <a:effectRef idx="1">
+              <a:schemeClr val="accent1"/>
+            </a:effectRef>
+            <a:fontRef idx="minor">
+              <a:schemeClr val="tx1"/>
+            </a:fontRef>
+          </p:style>
+        </p:cxnSp>
+        <p:cxnSp>
+          <p:nvCxnSpPr>
+            <p:cNvPr id="29" name="Straight Connector 28">
+              <a:extLst>
+                <a:ext uri="{FF2B5EF4-FFF2-40B4-BE49-F238E27FC236}">
+                  <a16:creationId xmlns:a16="http://schemas.microsoft.com/office/drawing/2014/main" id="{CBE30704-4227-4B7B-BDB8-BFCF39086FA4}"/>
+                </a:ext>
+                <a:ext uri="{C183D7F6-B498-43B3-948B-1728B52AA6E4}">
+                  <adec:decorative xmlns:adec="http://schemas.microsoft.com/office/drawing/2017/decorative" val="1"/>
+                </a:ext>
+              </a:extLst>
+            </p:cNvPr>
+            <p:cNvCxnSpPr/>
+            <p:nvPr>
+              <p:extLst>
+                <p:ext uri="{386F3935-93C4-4BCD-93E2-E3B085C9AB24}">
+                  <p16:designElem xmlns:p16="http://schemas.microsoft.com/office/powerpoint/2015/main" val="1"/>
+                </p:ext>
+              </p:extLst>
+            </p:nvPr>
+          </p:nvCxnSpPr>
+          <p:spPr>
+            <a:xfrm flipH="1">
+              <a:off x="10292292" y="3285067"/>
+              <a:ext cx="1896534" cy="1896533"/>
+            </a:xfrm>
+            <a:prstGeom prst="line">
+              <a:avLst/>
+            </a:prstGeom>
+            <a:ln w="9525">
+              <a:solidFill>
+                <a:schemeClr val="tx1"/>
+              </a:solidFill>
+            </a:ln>
+          </p:spPr>
+          <p:style>
+            <a:lnRef idx="2">
+              <a:schemeClr val="accent1"/>
+            </a:lnRef>
+            <a:fillRef idx="0">
+              <a:schemeClr val="accent1"/>
+            </a:fillRef>
+            <a:effectRef idx="1">
+              <a:schemeClr val="accent1"/>
+            </a:effectRef>
+            <a:fontRef idx="minor">
+              <a:schemeClr val="tx1"/>
+            </a:fontRef>
+          </p:style>
+        </p:cxnSp>
+        <p:cxnSp>
+          <p:nvCxnSpPr>
+            <p:cNvPr id="30" name="Straight Connector 29">
+              <a:extLst>
+                <a:ext uri="{FF2B5EF4-FFF2-40B4-BE49-F238E27FC236}">
+                  <a16:creationId xmlns:a16="http://schemas.microsoft.com/office/drawing/2014/main" id="{B923B1E7-AEA4-42D8-8F4A-9D116F29665C}"/>
+                </a:ext>
+                <a:ext uri="{C183D7F6-B498-43B3-948B-1728B52AA6E4}">
+                  <adec:decorative xmlns:adec="http://schemas.microsoft.com/office/drawing/2017/decorative" val="1"/>
+                </a:ext>
+              </a:extLst>
+            </p:cNvPr>
+            <p:cNvCxnSpPr/>
+            <p:nvPr>
+              <p:extLst>
+                <p:ext uri="{386F3935-93C4-4BCD-93E2-E3B085C9AB24}">
+                  <p16:designElem xmlns:p16="http://schemas.microsoft.com/office/powerpoint/2015/main" val="1"/>
+                </p:ext>
+              </p:extLst>
+            </p:nvPr>
+          </p:nvCxnSpPr>
+          <p:spPr>
+            <a:xfrm flipH="1">
+              <a:off x="10443103" y="3131080"/>
+              <a:ext cx="1745722" cy="1745720"/>
+            </a:xfrm>
+            <a:prstGeom prst="line">
+              <a:avLst/>
+            </a:prstGeom>
+            <a:ln w="28575">
+              <a:solidFill>
+                <a:schemeClr val="tx1"/>
+              </a:solidFill>
+            </a:ln>
+          </p:spPr>
+          <p:style>
+            <a:lnRef idx="2">
+              <a:schemeClr val="accent1"/>
+            </a:lnRef>
+            <a:fillRef idx="0">
+              <a:schemeClr val="accent1"/>
+            </a:fillRef>
+            <a:effectRef idx="1">
+              <a:schemeClr val="accent1"/>
+            </a:effectRef>
+            <a:fontRef idx="minor">
+              <a:schemeClr val="tx1"/>
+            </a:fontRef>
+          </p:style>
+        </p:cxnSp>
+        <p:cxnSp>
+          <p:nvCxnSpPr>
+            <p:cNvPr id="31" name="Straight Connector 30">
+              <a:extLst>
+                <a:ext uri="{FF2B5EF4-FFF2-40B4-BE49-F238E27FC236}">
+                  <a16:creationId xmlns:a16="http://schemas.microsoft.com/office/drawing/2014/main" id="{321B6244-6EAE-442C-ACCF-8146103EC1D5}"/>
+                </a:ext>
+                <a:ext uri="{C183D7F6-B498-43B3-948B-1728B52AA6E4}">
+                  <adec:decorative xmlns:adec="http://schemas.microsoft.com/office/drawing/2017/decorative" val="1"/>
+                </a:ext>
+              </a:extLst>
+            </p:cNvPr>
+            <p:cNvCxnSpPr/>
+            <p:nvPr>
+              <p:extLst>
+                <p:ext uri="{386F3935-93C4-4BCD-93E2-E3B085C9AB24}">
+                  <p16:designElem xmlns:p16="http://schemas.microsoft.com/office/powerpoint/2015/main" val="1"/>
+                </p:ext>
+              </p:extLst>
+            </p:nvPr>
+          </p:nvCxnSpPr>
+          <p:spPr>
+            <a:xfrm flipH="1">
+              <a:off x="10918826" y="3683001"/>
+              <a:ext cx="1270001" cy="1269999"/>
+            </a:xfrm>
+            <a:prstGeom prst="line">
+              <a:avLst/>
+            </a:prstGeom>
+            <a:ln w="28575">
+              <a:solidFill>
+                <a:schemeClr val="tx1"/>
+              </a:solidFill>
+            </a:ln>
+          </p:spPr>
+          <p:style>
+            <a:lnRef idx="2">
+              <a:schemeClr val="accent1"/>
+            </a:lnRef>
+            <a:fillRef idx="0">
+              <a:schemeClr val="accent1"/>
+            </a:fillRef>
+            <a:effectRef idx="1">
+              <a:schemeClr val="accent1"/>
+            </a:effectRef>
+            <a:fontRef idx="minor">
+              <a:schemeClr val="tx1"/>
+            </a:fontRef>
+          </p:style>
+        </p:cxnSp>
+      </p:grpSp>
+      <p:sp>
+        <p:nvSpPr>
+          <p:cNvPr id="33" name="Snip Diagonal Corner Rectangle 6">
+            <a:extLst>
+              <a:ext uri="{FF2B5EF4-FFF2-40B4-BE49-F238E27FC236}">
+                <a16:creationId xmlns:a16="http://schemas.microsoft.com/office/drawing/2014/main" id="{AD2D45C7-2E37-44FD-AC77-116CD14B9ED9}"/>
+              </a:ext>
+              <a:ext uri="{C183D7F6-B498-43B3-948B-1728B52AA6E4}">
+                <adec:decorative xmlns:adec="http://schemas.microsoft.com/office/drawing/2017/decorative" val="1"/>
+              </a:ext>
+            </a:extLst>
+          </p:cNvPr>
+          <p:cNvSpPr>
+            <a:spLocks noGrp="1" noRot="1" noChangeAspect="1" noMove="1" noResize="1" noEditPoints="1" noAdjustHandles="1" noChangeArrowheads="1" noChangeShapeType="1" noTextEdit="1"/>
+          </p:cNvSpPr>
+          <p:nvPr>
+            <p:extLst>
+              <p:ext uri="{386F3935-93C4-4BCD-93E2-E3B085C9AB24}">
+                <p16:designElem xmlns:p16="http://schemas.microsoft.com/office/powerpoint/2015/main" val="1"/>
+              </p:ext>
+            </p:extLst>
+          </p:nvPr>
+        </p:nvSpPr>
+        <p:spPr>
+          <a:xfrm flipH="1">
+            <a:off x="925" y="2"/>
+            <a:ext cx="12191075" cy="6857998"/>
+          </a:xfrm>
+          <a:prstGeom prst="rect">
+            <a:avLst/>
+          </a:prstGeom>
+          <a:ln>
+            <a:noFill/>
+          </a:ln>
+        </p:spPr>
+        <p:style>
+          <a:lnRef idx="2">
+            <a:schemeClr val="accent2"/>
+          </a:lnRef>
+          <a:fillRef idx="1002">
+            <a:schemeClr val="dk2"/>
+          </a:fillRef>
+          <a:effectRef idx="0">
+            <a:schemeClr val="accent2"/>
+          </a:effectRef>
+          <a:fontRef idx="minor">
+            <a:schemeClr val="dk1"/>
+          </a:fontRef>
+        </p:style>
+        <p:txBody>
+          <a:bodyPr wrap="square" rtlCol="0" anchor="ctr">
+            <a:noAutofit/>
+          </a:bodyPr>
+          <a:lstStyle/>
+          <a:p>
+            <a:pPr algn="ctr"/>
+            <a:endParaRPr lang="en-US"/>
+          </a:p>
+        </p:txBody>
+      </p:sp>
+      <p:sp useBgFill="1">
+        <p:nvSpPr>
+          <p:cNvPr id="35" name="Snip Single Corner Rectangle 17">
+            <a:extLst>
+              <a:ext uri="{FF2B5EF4-FFF2-40B4-BE49-F238E27FC236}">
+                <a16:creationId xmlns:a16="http://schemas.microsoft.com/office/drawing/2014/main" id="{1FF88480-2CF1-4C54-8CE3-2CA9CD9FF896}"/>
+              </a:ext>
+              <a:ext uri="{C183D7F6-B498-43B3-948B-1728B52AA6E4}">
+                <adec:decorative xmlns:adec="http://schemas.microsoft.com/office/drawing/2017/decorative" val="1"/>
+              </a:ext>
+            </a:extLst>
+          </p:cNvPr>
+          <p:cNvSpPr>
+            <a:spLocks noGrp="1" noRot="1" noChangeAspect="1" noMove="1" noResize="1" noEditPoints="1" noAdjustHandles="1" noChangeArrowheads="1" noChangeShapeType="1" noTextEdit="1"/>
+          </p:cNvSpPr>
+          <p:nvPr>
+            <p:extLst>
+              <p:ext uri="{386F3935-93C4-4BCD-93E2-E3B085C9AB24}">
+                <p16:designElem xmlns:p16="http://schemas.microsoft.com/office/powerpoint/2015/main" val="1"/>
+              </p:ext>
+            </p:extLst>
+          </p:nvPr>
+        </p:nvSpPr>
+        <p:spPr>
+          <a:xfrm flipV="1">
+            <a:off x="0" y="1"/>
+            <a:ext cx="12188825" cy="6857999"/>
+          </a:xfrm>
+          <a:prstGeom prst="snip1Rect">
+            <a:avLst>
+              <a:gd name="adj" fmla="val 50000"/>
+            </a:avLst>
+          </a:prstGeom>
+          <a:ln>
+            <a:noFill/>
+          </a:ln>
+          <a:effectLst/>
+        </p:spPr>
+        <p:style>
+          <a:lnRef idx="2">
+            <a:schemeClr val="accent1">
+              <a:shade val="50000"/>
+            </a:schemeClr>
+          </a:lnRef>
+          <a:fillRef idx="1003">
+            <a:schemeClr val="dk2"/>
+          </a:fillRef>
+          <a:effectRef idx="0">
+            <a:schemeClr val="accent1"/>
+          </a:effectRef>
+          <a:fontRef idx="minor">
+            <a:schemeClr val="lt1"/>
+          </a:fontRef>
+        </p:style>
+        <p:txBody>
+          <a:bodyPr wrap="square" rtlCol="0" anchor="ctr">
+            <a:noAutofit/>
+          </a:bodyPr>
+          <a:lstStyle/>
+          <a:p>
+            <a:pPr algn="ctr"/>
+            <a:endParaRPr lang="en-US"/>
+          </a:p>
+        </p:txBody>
+      </p:sp>
+      <p:sp>
+        <p:nvSpPr>
+          <p:cNvPr id="6" name="TextBox 5">
+            <a:extLst>
+              <a:ext uri="{FF2B5EF4-FFF2-40B4-BE49-F238E27FC236}">
+                <a16:creationId xmlns:a16="http://schemas.microsoft.com/office/drawing/2014/main" id="{01B5766C-C242-4E8B-8662-041109CBB9EE}"/>
+              </a:ext>
+            </a:extLst>
+          </p:cNvPr>
+          <p:cNvSpPr txBox="1"/>
+          <p:nvPr/>
+        </p:nvSpPr>
+        <p:spPr>
+          <a:xfrm>
+            <a:off x="3175" y="0"/>
+            <a:ext cx="8534400" cy="1507067"/>
+          </a:xfrm>
+          <a:prstGeom prst="rect">
+            <a:avLst/>
+          </a:prstGeom>
+        </p:spPr>
+        <p:txBody>
+          <a:bodyPr vert="horz" lIns="91440" tIns="45720" rIns="91440" bIns="45720" rtlCol="0" anchor="ctr">
+            <a:normAutofit/>
+          </a:bodyPr>
+          <a:lstStyle/>
+          <a:p>
+            <a:pPr>
+              <a:spcBef>
+                <a:spcPct val="0"/>
+              </a:spcBef>
+              <a:spcAft>
+                <a:spcPts val="600"/>
+              </a:spcAft>
+            </a:pPr>
+            <a:r>
+              <a:rPr lang="en-US" sz="4000" b="1" cap="all" dirty="0">
+                <a:ln w="3175" cmpd="sng">
+                  <a:noFill/>
+                </a:ln>
+                <a:solidFill>
+                  <a:schemeClr val="tx2"/>
+                </a:solidFill>
+                <a:latin typeface="+mj-lt"/>
+                <a:ea typeface="+mj-ea"/>
+                <a:cs typeface="+mj-cs"/>
+              </a:rPr>
+              <a:t>Results</a:t>
+            </a:r>
+          </a:p>
+        </p:txBody>
+      </p:sp>
+      <p:sp>
+        <p:nvSpPr>
+          <p:cNvPr id="11" name="TextBox 6">
+            <a:extLst>
+              <a:ext uri="{FF2B5EF4-FFF2-40B4-BE49-F238E27FC236}">
+                <a16:creationId xmlns:a16="http://schemas.microsoft.com/office/drawing/2014/main" id="{150D360E-13BB-4340-A18F-9B75B8C3D6F6}"/>
+              </a:ext>
+            </a:extLst>
+          </p:cNvPr>
+          <p:cNvSpPr txBox="1"/>
+          <p:nvPr/>
+        </p:nvSpPr>
+        <p:spPr>
+          <a:xfrm>
+            <a:off x="384175" y="1923505"/>
+            <a:ext cx="3397250" cy="714619"/>
+          </a:xfrm>
+          <a:prstGeom prst="rect">
+            <a:avLst/>
+          </a:prstGeom>
+          <a:noFill/>
+        </p:spPr>
+        <p:txBody>
+          <a:bodyPr wrap="square" rtlCol="0">
+            <a:spAutoFit/>
+          </a:bodyPr>
+          <a:lstStyle/>
+          <a:p>
+            <a:pPr>
+              <a:lnSpc>
+                <a:spcPct val="200000"/>
+              </a:lnSpc>
+            </a:pPr>
+            <a:r>
+              <a:rPr lang="en-US" sz="2400" dirty="0"/>
+              <a:t>Original mesh</a:t>
+            </a:r>
+          </a:p>
+        </p:txBody>
+      </p:sp>
+      <p:sp>
+        <p:nvSpPr>
+          <p:cNvPr id="12" name="TextBox 3">
+            <a:extLst>
+              <a:ext uri="{FF2B5EF4-FFF2-40B4-BE49-F238E27FC236}">
+                <a16:creationId xmlns:a16="http://schemas.microsoft.com/office/drawing/2014/main" id="{67F7EEB1-F9DD-41CD-B4AC-6258A2CD90F9}"/>
+              </a:ext>
+            </a:extLst>
+          </p:cNvPr>
+          <p:cNvSpPr txBox="1"/>
+          <p:nvPr/>
+        </p:nvSpPr>
+        <p:spPr>
+          <a:xfrm>
+            <a:off x="5940839" y="1923504"/>
+            <a:ext cx="2097949" cy="714619"/>
+          </a:xfrm>
+          <a:prstGeom prst="rect">
+            <a:avLst/>
+          </a:prstGeom>
+          <a:noFill/>
+        </p:spPr>
+        <p:txBody>
+          <a:bodyPr wrap="square" rtlCol="0">
+            <a:spAutoFit/>
+          </a:bodyPr>
+          <a:lstStyle/>
+          <a:p>
+            <a:pPr>
+              <a:lnSpc>
+                <a:spcPct val="200000"/>
+              </a:lnSpc>
+            </a:pPr>
+            <a:r>
+              <a:rPr lang="en-US" sz="2400" dirty="0"/>
+              <a:t>Holder mesh</a:t>
+            </a:r>
+          </a:p>
+        </p:txBody>
+      </p:sp>
+      <p:pic>
+        <p:nvPicPr>
+          <p:cNvPr id="13" name="Picture 2">
+            <a:extLst>
+              <a:ext uri="{FF2B5EF4-FFF2-40B4-BE49-F238E27FC236}">
+                <a16:creationId xmlns:a16="http://schemas.microsoft.com/office/drawing/2014/main" id="{84310A7A-D0A9-46B5-942D-79602AE2E0C4}"/>
+              </a:ext>
+            </a:extLst>
+          </p:cNvPr>
+          <p:cNvPicPr>
+            <a:picLocks noChangeAspect="1"/>
+          </p:cNvPicPr>
+          <p:nvPr/>
+        </p:nvPicPr>
+        <p:blipFill>
+          <a:blip r:embed="rId2">
+            <a:extLst>
+              <a:ext uri="{28A0092B-C50C-407E-A947-70E740481C1C}">
+                <a14:useLocalDpi xmlns:a14="http://schemas.microsoft.com/office/drawing/2010/main" val="0"/>
+              </a:ext>
+            </a:extLst>
+          </a:blip>
+          <a:srcRect/>
+          <a:stretch/>
+        </p:blipFill>
+        <p:spPr>
+          <a:xfrm>
+            <a:off x="389289" y="3052796"/>
+            <a:ext cx="3812456" cy="2599402"/>
+          </a:xfrm>
+          <a:prstGeom prst="rect">
+            <a:avLst/>
+          </a:prstGeom>
+        </p:spPr>
+      </p:pic>
+      <p:pic>
+        <p:nvPicPr>
+          <p:cNvPr id="14" name="Picture 7">
+            <a:extLst>
+              <a:ext uri="{FF2B5EF4-FFF2-40B4-BE49-F238E27FC236}">
+                <a16:creationId xmlns:a16="http://schemas.microsoft.com/office/drawing/2014/main" id="{307F1116-2DFA-4988-9521-F39B71FA462E}"/>
+              </a:ext>
+            </a:extLst>
+          </p:cNvPr>
+          <p:cNvPicPr>
+            <a:picLocks noChangeAspect="1"/>
+          </p:cNvPicPr>
+          <p:nvPr/>
+        </p:nvPicPr>
+        <p:blipFill>
+          <a:blip r:embed="rId3">
+            <a:extLst>
+              <a:ext uri="{28A0092B-C50C-407E-A947-70E740481C1C}">
+                <a14:useLocalDpi xmlns:a14="http://schemas.microsoft.com/office/drawing/2010/main" val="0"/>
+              </a:ext>
+            </a:extLst>
+          </a:blip>
+          <a:srcRect/>
+          <a:stretch/>
+        </p:blipFill>
+        <p:spPr>
+          <a:xfrm>
+            <a:off x="4631652" y="3107176"/>
+            <a:ext cx="4716325" cy="2490643"/>
+          </a:xfrm>
+          <a:prstGeom prst="rect">
+            <a:avLst/>
+          </a:prstGeom>
+        </p:spPr>
+      </p:pic>
+    </p:spTree>
+    <p:extLst>
+      <p:ext uri="{BB962C8B-B14F-4D97-AF65-F5344CB8AC3E}">
+        <p14:creationId xmlns:p14="http://schemas.microsoft.com/office/powerpoint/2010/main" val="2057044812"/>
+      </p:ext>
+    </p:extLst>
+  </p:cSld>
+  <p:clrMapOvr>
+    <a:overrideClrMapping bg1="lt1" tx1="dk1" bg2="lt2" tx2="dk2" accent1="accent1" accent2="accent2" accent3="accent3" accent4="accent4" accent5="accent5" accent6="accent6" hlink="hlink" folHlink="folHlink"/>
+  </p:clrMapOvr>
+</p:sld>
+</file>
+
 <file path=ppt/slides/slide2.xml><?xml version="1.0" encoding="utf-8"?>
 <p:sld xmlns:a="http://schemas.openxmlformats.org/drawingml/2006/main" xmlns:r="http://schemas.openxmlformats.org/officeDocument/2006/relationships" xmlns:p="http://schemas.openxmlformats.org/presentationml/2006/main">
   <p:cSld>
@@ -7631,6 +8961,9 @@
           <a:lstStyle/>
           <a:p>
             <a:pPr marL="285750" indent="-285750">
+              <a:lnSpc>
+                <a:spcPct val="150000"/>
+              </a:lnSpc>
               <a:spcBef>
                 <a:spcPct val="20000"/>
               </a:spcBef>
@@ -7651,6 +8984,9 @@
           </a:p>
           <a:p>
             <a:pPr marL="285750" indent="-285750">
+              <a:lnSpc>
+                <a:spcPct val="150000"/>
+              </a:lnSpc>
               <a:spcBef>
                 <a:spcPct val="20000"/>
               </a:spcBef>
@@ -7671,6 +9007,9 @@
           </a:p>
           <a:p>
             <a:pPr marL="285750" indent="-285750">
+              <a:lnSpc>
+                <a:spcPct val="150000"/>
+              </a:lnSpc>
               <a:spcBef>
                 <a:spcPct val="20000"/>
               </a:spcBef>
@@ -7691,6 +9030,9 @@
           </a:p>
           <a:p>
             <a:pPr marL="285750" indent="-285750">
+              <a:lnSpc>
+                <a:spcPct val="150000"/>
+              </a:lnSpc>
               <a:spcBef>
                 <a:spcPct val="20000"/>
               </a:spcBef>
@@ -8268,7 +9610,15 @@
             </a:pPr>
             <a:r>
               <a:rPr lang="en-US" dirty="0"/>
-              <a:t>Working with 3D-objects</a:t>
+              <a:t>Working with 3D-objects – </a:t>
+            </a:r>
+            <a:r>
+              <a:rPr lang="en-US" dirty="0" err="1"/>
+              <a:t>trimesh</a:t>
+            </a:r>
+            <a:r>
+              <a:rPr lang="en-US" dirty="0"/>
+              <a:t> package</a:t>
             </a:r>
             <a:br>
               <a:rPr lang="en-US" dirty="0"/>
@@ -8367,6 +9717,43 @@
             <a:r>
               <a:rPr lang="en-US" dirty="0"/>
               <a:t>Writing Descriptive Algorithm</a:t>
+            </a:r>
+          </a:p>
+          <a:p>
+            <a:pPr marL="285750" indent="-285750">
+              <a:spcBef>
+                <a:spcPct val="20000"/>
+              </a:spcBef>
+              <a:spcAft>
+                <a:spcPts val="600"/>
+              </a:spcAft>
+              <a:buClr>
+                <a:schemeClr val="tx1"/>
+              </a:buClr>
+              <a:buSzPct val="80000"/>
+              <a:buFont typeface="Wingdings 3" panose="05040102010807070707" pitchFamily="18" charset="2"/>
+              <a:buChar char=""/>
+            </a:pPr>
+            <a:endParaRPr lang="en-US" dirty="0"/>
+          </a:p>
+          <a:p>
+            <a:pPr marL="285750" indent="-285750">
+              <a:spcBef>
+                <a:spcPct val="20000"/>
+              </a:spcBef>
+              <a:spcAft>
+                <a:spcPts val="600"/>
+              </a:spcAft>
+              <a:buClr>
+                <a:schemeClr val="tx1"/>
+              </a:buClr>
+              <a:buSzPct val="80000"/>
+              <a:buFont typeface="Wingdings 3" panose="05040102010807070707" pitchFamily="18" charset="2"/>
+              <a:buChar char=""/>
+            </a:pPr>
+            <a:r>
+              <a:rPr lang="en-US" dirty="0"/>
+              <a:t>Working with limited resources – stick to relatively simple meshes</a:t>
             </a:r>
           </a:p>
           <a:p>
@@ -8930,6 +10317,9 @@
           <a:lstStyle/>
           <a:p>
             <a:pPr marL="285750" indent="-285750">
+              <a:lnSpc>
+                <a:spcPct val="150000"/>
+              </a:lnSpc>
               <a:spcBef>
                 <a:spcPct val="20000"/>
               </a:spcBef>
@@ -8950,6 +10340,9 @@
           </a:p>
           <a:p>
             <a:pPr marL="285750" indent="-285750">
+              <a:lnSpc>
+                <a:spcPct val="150000"/>
+              </a:lnSpc>
               <a:spcBef>
                 <a:spcPct val="20000"/>
               </a:spcBef>
@@ -8999,6 +10392,9 @@
           </a:p>
           <a:p>
             <a:pPr marL="285750" indent="-285750">
+              <a:lnSpc>
+                <a:spcPct val="150000"/>
+              </a:lnSpc>
               <a:spcBef>
                 <a:spcPct val="20000"/>
               </a:spcBef>
@@ -9019,6 +10415,9 @@
           </a:p>
           <a:p>
             <a:pPr marL="285750" indent="-285750">
+              <a:lnSpc>
+                <a:spcPct val="150000"/>
+              </a:lnSpc>
               <a:spcBef>
                 <a:spcPct val="20000"/>
               </a:spcBef>
@@ -9588,6 +10987,9 @@
           <a:lstStyle/>
           <a:p>
             <a:pPr marL="457200" indent="-457200">
+              <a:lnSpc>
+                <a:spcPct val="150000"/>
+              </a:lnSpc>
               <a:spcBef>
                 <a:spcPct val="20000"/>
               </a:spcBef>
@@ -9598,8 +11000,8 @@
                 <a:schemeClr val="tx1"/>
               </a:buClr>
               <a:buSzPct val="80000"/>
-              <a:buFont typeface="Wingdings 3" panose="05040102010807070707" pitchFamily="18" charset="2"/>
-              <a:buChar char=""/>
+              <a:buFont typeface="+mj-lt"/>
+              <a:buAutoNum type="arabicPeriod"/>
             </a:pPr>
             <a:r>
               <a:rPr lang="en-US" dirty="0"/>
@@ -9608,6 +11010,9 @@
           </a:p>
           <a:p>
             <a:pPr marL="457200" indent="-457200">
+              <a:lnSpc>
+                <a:spcPct val="150000"/>
+              </a:lnSpc>
               <a:spcBef>
                 <a:spcPct val="20000"/>
               </a:spcBef>
@@ -9618,8 +11023,8 @@
                 <a:schemeClr val="tx1"/>
               </a:buClr>
               <a:buSzPct val="80000"/>
-              <a:buFont typeface="Wingdings 3" panose="05040102010807070707" pitchFamily="18" charset="2"/>
-              <a:buChar char=""/>
+              <a:buFont typeface="+mj-lt"/>
+              <a:buAutoNum type="arabicPeriod"/>
             </a:pPr>
             <a:r>
               <a:rPr lang="en-US" dirty="0"/>
@@ -9628,6 +11033,9 @@
           </a:p>
           <a:p>
             <a:pPr marL="457200" indent="-457200">
+              <a:lnSpc>
+                <a:spcPct val="150000"/>
+              </a:lnSpc>
               <a:spcBef>
                 <a:spcPct val="20000"/>
               </a:spcBef>
@@ -9638,8 +11046,8 @@
                 <a:schemeClr val="tx1"/>
               </a:buClr>
               <a:buSzPct val="80000"/>
-              <a:buFont typeface="Wingdings 3" panose="05040102010807070707" pitchFamily="18" charset="2"/>
-              <a:buChar char=""/>
+              <a:buFont typeface="+mj-lt"/>
+              <a:buAutoNum type="arabicPeriod"/>
             </a:pPr>
             <a:r>
               <a:rPr lang="en-US" dirty="0"/>
@@ -9648,6 +11056,9 @@
           </a:p>
           <a:p>
             <a:pPr marL="457200" indent="-457200">
+              <a:lnSpc>
+                <a:spcPct val="150000"/>
+              </a:lnSpc>
               <a:spcBef>
                 <a:spcPct val="20000"/>
               </a:spcBef>
@@ -9658,8 +11069,8 @@
                 <a:schemeClr val="tx1"/>
               </a:buClr>
               <a:buSzPct val="80000"/>
-              <a:buFont typeface="Wingdings 3" panose="05040102010807070707" pitchFamily="18" charset="2"/>
-              <a:buChar char=""/>
+              <a:buFont typeface="+mj-lt"/>
+              <a:buAutoNum type="arabicPeriod"/>
             </a:pPr>
             <a:r>
               <a:rPr lang="en-US" dirty="0"/>
@@ -9668,6 +11079,9 @@
           </a:p>
           <a:p>
             <a:pPr marL="457200" indent="-457200">
+              <a:lnSpc>
+                <a:spcPct val="150000"/>
+              </a:lnSpc>
               <a:spcBef>
                 <a:spcPct val="20000"/>
               </a:spcBef>
@@ -9678,8 +11092,8 @@
                 <a:schemeClr val="tx1"/>
               </a:buClr>
               <a:buSzPct val="80000"/>
-              <a:buFont typeface="Wingdings 3" panose="05040102010807070707" pitchFamily="18" charset="2"/>
-              <a:buChar char=""/>
+              <a:buFont typeface="+mj-lt"/>
+              <a:buAutoNum type="arabicPeriod"/>
             </a:pPr>
             <a:r>
               <a:rPr lang="en-US" dirty="0"/>
